--- a/ppt/IoT06-Raspbian.pptx
+++ b/ppt/IoT06-Raspbian.pptx
@@ -3719,13 +3719,8 @@
             <a:pPr eaLnBrk="1" hangingPunct="1"/>
             <a:r>
               <a:rPr lang="fr-FR" altLang="fr-FR" dirty="0" smtClean="0"/>
-              <a:t>Chapitre </a:t>
-            </a:r>
-            <a:r>
-              <a:rPr lang="fr-FR" altLang="fr-FR" dirty="0" smtClean="0"/>
-              <a:t>6</a:t>
-            </a:r>
-            <a:endParaRPr lang="fr-FR" altLang="fr-FR" dirty="0" smtClean="0"/>
+              <a:t>Chapitre 6</a:t>
+            </a:r>
           </a:p>
           <a:p>
             <a:pPr eaLnBrk="1" hangingPunct="1"/>
@@ -3898,6 +3893,13 @@
   <p:clrMapOvr>
     <a:masterClrMapping/>
   </p:clrMapOvr>
+  <p:timing>
+    <p:tnLst>
+      <p:par>
+        <p:cTn id="1" dur="indefinite" restart="never" nodeType="tmRoot"/>
+      </p:par>
+    </p:tnLst>
+  </p:timing>
 </p:sld>
 </file>
 
@@ -4047,6 +4049,13 @@
   <p:clrMapOvr>
     <a:masterClrMapping/>
   </p:clrMapOvr>
+  <p:timing>
+    <p:tnLst>
+      <p:par>
+        <p:cTn id="1" dur="indefinite" restart="never" nodeType="tmRoot"/>
+      </p:par>
+    </p:tnLst>
+  </p:timing>
 </p:sld>
 </file>
 
@@ -4219,6 +4228,13 @@
   <p:clrMapOvr>
     <a:masterClrMapping/>
   </p:clrMapOvr>
+  <p:timing>
+    <p:tnLst>
+      <p:par>
+        <p:cTn id="1" dur="indefinite" restart="never" nodeType="tmRoot"/>
+      </p:par>
+    </p:tnLst>
+  </p:timing>
 </p:sld>
 </file>
 
@@ -4420,6 +4436,13 @@
   <p:clrMapOvr>
     <a:masterClrMapping/>
   </p:clrMapOvr>
+  <p:timing>
+    <p:tnLst>
+      <p:par>
+        <p:cTn id="1" dur="indefinite" restart="never" nodeType="tmRoot"/>
+      </p:par>
+    </p:tnLst>
+  </p:timing>
 </p:sld>
 </file>
 
@@ -4550,8 +4573,16 @@
           <a:p>
             <a:pPr lvl="1"/>
             <a:r>
-              <a:rPr lang="fr-FR" dirty="0" smtClean="0"/>
-              <a:t>chmod ../pi 777</a:t>
+              <a:rPr lang="fr-FR" smtClean="0"/>
+              <a:t>chmod </a:t>
+            </a:r>
+            <a:r>
+              <a:rPr lang="fr-FR" smtClean="0"/>
+              <a:t>pi </a:t>
+            </a:r>
+            <a:r>
+              <a:rPr lang="fr-FR" dirty="0" smtClean="0"/>
+              <a:t>777</a:t>
             </a:r>
           </a:p>
           <a:p>
@@ -4587,6 +4618,13 @@
   <p:clrMapOvr>
     <a:masterClrMapping/>
   </p:clrMapOvr>
+  <p:timing>
+    <p:tnLst>
+      <p:par>
+        <p:cTn id="1" dur="indefinite" restart="never" nodeType="tmRoot"/>
+      </p:par>
+    </p:tnLst>
+  </p:timing>
 </p:sld>
 </file>
 
@@ -4713,6 +4751,13 @@
   <p:clrMapOvr>
     <a:masterClrMapping/>
   </p:clrMapOvr>
+  <p:timing>
+    <p:tnLst>
+      <p:par>
+        <p:cTn id="1" dur="indefinite" restart="never" nodeType="tmRoot"/>
+      </p:par>
+    </p:tnLst>
+  </p:timing>
 </p:sld>
 </file>
 
@@ -4867,6 +4912,13 @@
   <p:clrMapOvr>
     <a:masterClrMapping/>
   </p:clrMapOvr>
+  <p:timing>
+    <p:tnLst>
+      <p:par>
+        <p:cTn id="1" dur="indefinite" restart="never" nodeType="tmRoot"/>
+      </p:par>
+    </p:tnLst>
+  </p:timing>
 </p:sld>
 </file>
 
@@ -4969,6 +5021,13 @@
   <p:clrMapOvr>
     <a:masterClrMapping/>
   </p:clrMapOvr>
+  <p:timing>
+    <p:tnLst>
+      <p:par>
+        <p:cTn id="1" dur="indefinite" restart="never" nodeType="tmRoot"/>
+      </p:par>
+    </p:tnLst>
+  </p:timing>
 </p:sld>
 </file>
 
@@ -5087,6 +5146,13 @@
   <p:clrMapOvr>
     <a:masterClrMapping/>
   </p:clrMapOvr>
+  <p:timing>
+    <p:tnLst>
+      <p:par>
+        <p:cTn id="1" dur="indefinite" restart="never" nodeType="tmRoot"/>
+      </p:par>
+    </p:tnLst>
+  </p:timing>
 </p:sld>
 </file>
 
@@ -5225,6 +5291,13 @@
   <p:clrMapOvr>
     <a:masterClrMapping/>
   </p:clrMapOvr>
+  <p:timing>
+    <p:tnLst>
+      <p:par>
+        <p:cTn id="1" dur="indefinite" restart="never" nodeType="tmRoot"/>
+      </p:par>
+    </p:tnLst>
+  </p:timing>
 </p:sld>
 </file>
 
@@ -5572,6 +5645,13 @@
   <p:clrMapOvr>
     <a:masterClrMapping/>
   </p:clrMapOvr>
+  <p:timing>
+    <p:tnLst>
+      <p:par>
+        <p:cTn id="1" dur="indefinite" restart="never" nodeType="tmRoot"/>
+      </p:par>
+    </p:tnLst>
+  </p:timing>
 </p:sld>
 </file>
 
@@ -5680,6 +5760,13 @@
   <p:clrMapOvr>
     <a:masterClrMapping/>
   </p:clrMapOvr>
+  <p:timing>
+    <p:tnLst>
+      <p:par>
+        <p:cTn id="1" dur="indefinite" restart="never" nodeType="tmRoot"/>
+      </p:par>
+    </p:tnLst>
+  </p:timing>
 </p:sld>
 </file>
 
@@ -5830,6 +5917,13 @@
   <p:clrMapOvr>
     <a:masterClrMapping/>
   </p:clrMapOvr>
+  <p:timing>
+    <p:tnLst>
+      <p:par>
+        <p:cTn id="1" dur="indefinite" restart="never" nodeType="tmRoot"/>
+      </p:par>
+    </p:tnLst>
+  </p:timing>
 </p:sld>
 </file>
 

--- a/ppt/IoT06-Raspbian.pptx
+++ b/ppt/IoT06-Raspbian.pptx
@@ -5,10 +5,10 @@
     <p:sldMasterId id="2147483653" r:id="rId1"/>
   </p:sldMasterIdLst>
   <p:notesMasterIdLst>
-    <p:notesMasterId r:id="rId16"/>
+    <p:notesMasterId r:id="rId20"/>
   </p:notesMasterIdLst>
   <p:handoutMasterIdLst>
-    <p:handoutMasterId r:id="rId17"/>
+    <p:handoutMasterId r:id="rId21"/>
   </p:handoutMasterIdLst>
   <p:sldIdLst>
     <p:sldId id="264" r:id="rId2"/>
@@ -17,14 +17,18 @@
     <p:sldId id="270" r:id="rId5"/>
     <p:sldId id="267" r:id="rId6"/>
     <p:sldId id="275" r:id="rId7"/>
-    <p:sldId id="271" r:id="rId8"/>
-    <p:sldId id="268" r:id="rId9"/>
+    <p:sldId id="268" r:id="rId8"/>
+    <p:sldId id="281" r:id="rId9"/>
     <p:sldId id="272" r:id="rId10"/>
     <p:sldId id="274" r:id="rId11"/>
-    <p:sldId id="273" r:id="rId12"/>
-    <p:sldId id="276" r:id="rId13"/>
-    <p:sldId id="277" r:id="rId14"/>
-    <p:sldId id="265" r:id="rId15"/>
+    <p:sldId id="278" r:id="rId12"/>
+    <p:sldId id="279" r:id="rId13"/>
+    <p:sldId id="280" r:id="rId14"/>
+    <p:sldId id="271" r:id="rId15"/>
+    <p:sldId id="273" r:id="rId16"/>
+    <p:sldId id="276" r:id="rId17"/>
+    <p:sldId id="277" r:id="rId18"/>
+    <p:sldId id="265" r:id="rId19"/>
   </p:sldIdLst>
   <p:sldSz cx="9144000" cy="6858000" type="screen4x3"/>
   <p:notesSz cx="6648450" cy="9782175"/>
@@ -617,35 +621,35 @@
           <a:p>
             <a:pPr lvl="0"/>
             <a:r>
-              <a:rPr lang="fr-FR" noProof="0" smtClean="0"/>
+              <a:rPr lang="fr-FR" noProof="0"/>
               <a:t>Cliquez pour modifier les styles du texte du masque</a:t>
             </a:r>
           </a:p>
           <a:p>
             <a:pPr lvl="1"/>
             <a:r>
-              <a:rPr lang="fr-FR" noProof="0" smtClean="0"/>
+              <a:rPr lang="fr-FR" noProof="0"/>
               <a:t>Deuxième niveau</a:t>
             </a:r>
           </a:p>
           <a:p>
             <a:pPr lvl="2"/>
             <a:r>
-              <a:rPr lang="fr-FR" noProof="0" smtClean="0"/>
+              <a:rPr lang="fr-FR" noProof="0"/>
               <a:t>Troisième niveau</a:t>
             </a:r>
           </a:p>
           <a:p>
             <a:pPr lvl="3"/>
             <a:r>
-              <a:rPr lang="fr-FR" noProof="0" smtClean="0"/>
+              <a:rPr lang="fr-FR" noProof="0"/>
               <a:t>Quatrième niveau</a:t>
             </a:r>
           </a:p>
           <a:p>
             <a:pPr lvl="4"/>
             <a:r>
-              <a:rPr lang="fr-FR" noProof="0" smtClean="0"/>
+              <a:rPr lang="fr-FR" noProof="0"/>
               <a:t>Cinquième niveau</a:t>
             </a:r>
           </a:p>
@@ -933,10 +937,9 @@
           <a:lstStyle/>
           <a:p>
             <a:r>
-              <a:rPr lang="fr-FR" smtClean="0"/>
+              <a:rPr lang="fr-FR"/>
               <a:t>Cliquez pour modifier le style du titre</a:t>
             </a:r>
-            <a:endParaRPr lang="fr-FR"/>
           </a:p>
         </p:txBody>
       </p:sp>
@@ -998,10 +1001,9 @@
           </a:lstStyle>
           <a:p>
             <a:r>
-              <a:rPr lang="fr-FR" smtClean="0"/>
+              <a:rPr lang="fr-FR"/>
               <a:t>Cliquez pour modifier le style des sous-titres du masque</a:t>
             </a:r>
-            <a:endParaRPr lang="fr-FR"/>
           </a:p>
         </p:txBody>
       </p:sp>
@@ -1056,10 +1058,9 @@
           <a:lstStyle/>
           <a:p>
             <a:r>
-              <a:rPr lang="fr-FR" smtClean="0"/>
+              <a:rPr lang="fr-FR"/>
               <a:t>Cliquez pour modifier le style du titre</a:t>
             </a:r>
-            <a:endParaRPr lang="fr-FR"/>
           </a:p>
         </p:txBody>
       </p:sp>
@@ -1085,38 +1086,37 @@
           <a:p>
             <a:pPr lvl="0"/>
             <a:r>
-              <a:rPr lang="fr-FR" smtClean="0"/>
+              <a:rPr lang="fr-FR"/>
               <a:t>Cliquez pour modifier les styles du texte du masque</a:t>
             </a:r>
           </a:p>
           <a:p>
             <a:pPr lvl="1"/>
             <a:r>
-              <a:rPr lang="fr-FR" smtClean="0"/>
+              <a:rPr lang="fr-FR"/>
               <a:t>Deuxième niveau</a:t>
             </a:r>
           </a:p>
           <a:p>
             <a:pPr lvl="2"/>
             <a:r>
-              <a:rPr lang="fr-FR" smtClean="0"/>
+              <a:rPr lang="fr-FR"/>
               <a:t>Troisième niveau</a:t>
             </a:r>
           </a:p>
           <a:p>
             <a:pPr lvl="3"/>
             <a:r>
-              <a:rPr lang="fr-FR" smtClean="0"/>
+              <a:rPr lang="fr-FR"/>
               <a:t>Quatrième niveau</a:t>
             </a:r>
           </a:p>
           <a:p>
             <a:pPr lvl="4"/>
             <a:r>
-              <a:rPr lang="fr-FR" smtClean="0"/>
+              <a:rPr lang="fr-FR"/>
               <a:t>Cinquième niveau</a:t>
             </a:r>
-            <a:endParaRPr lang="fr-FR"/>
           </a:p>
         </p:txBody>
       </p:sp>
@@ -1175,10 +1175,9 @@
           </a:lstStyle>
           <a:p>
             <a:r>
-              <a:rPr lang="fr-FR" dirty="0" smtClean="0"/>
+              <a:rPr lang="fr-FR" dirty="0"/>
               <a:t>Cliquez pour modifier le style du titre</a:t>
             </a:r>
-            <a:endParaRPr lang="fr-FR" dirty="0"/>
           </a:p>
         </p:txBody>
       </p:sp>
@@ -1204,38 +1203,37 @@
           <a:p>
             <a:pPr lvl="0"/>
             <a:r>
-              <a:rPr lang="fr-FR" dirty="0" smtClean="0"/>
+              <a:rPr lang="fr-FR" dirty="0"/>
               <a:t>Cliquez pour modifier les styles du texte du masque</a:t>
             </a:r>
           </a:p>
           <a:p>
             <a:pPr lvl="1"/>
             <a:r>
-              <a:rPr lang="fr-FR" dirty="0" smtClean="0"/>
+              <a:rPr lang="fr-FR" dirty="0"/>
               <a:t>Deuxième niveau</a:t>
             </a:r>
           </a:p>
           <a:p>
             <a:pPr lvl="2"/>
             <a:r>
-              <a:rPr lang="fr-FR" dirty="0" smtClean="0"/>
+              <a:rPr lang="fr-FR" dirty="0"/>
               <a:t>Troisième niveau</a:t>
             </a:r>
           </a:p>
           <a:p>
             <a:pPr lvl="3"/>
             <a:r>
-              <a:rPr lang="fr-FR" dirty="0" smtClean="0"/>
+              <a:rPr lang="fr-FR" dirty="0"/>
               <a:t>Quatrième niveau</a:t>
             </a:r>
           </a:p>
           <a:p>
             <a:pPr lvl="4"/>
             <a:r>
-              <a:rPr lang="fr-FR" dirty="0" smtClean="0"/>
+              <a:rPr lang="fr-FR" dirty="0"/>
               <a:t>Cinquième niveau</a:t>
             </a:r>
-            <a:endParaRPr lang="fr-FR" dirty="0"/>
           </a:p>
         </p:txBody>
       </p:sp>
@@ -1285,10 +1283,9 @@
           <a:lstStyle/>
           <a:p>
             <a:r>
-              <a:rPr lang="fr-FR" smtClean="0"/>
+              <a:rPr lang="fr-FR"/>
               <a:t>Cliquez pour modifier le style du titre</a:t>
             </a:r>
-            <a:endParaRPr lang="fr-FR"/>
           </a:p>
         </p:txBody>
       </p:sp>
@@ -1342,38 +1339,37 @@
           <a:p>
             <a:pPr lvl="0"/>
             <a:r>
-              <a:rPr lang="fr-FR" smtClean="0"/>
+              <a:rPr lang="fr-FR"/>
               <a:t>Cliquez pour modifier les styles du texte du masque</a:t>
             </a:r>
           </a:p>
           <a:p>
             <a:pPr lvl="1"/>
             <a:r>
-              <a:rPr lang="fr-FR" smtClean="0"/>
+              <a:rPr lang="fr-FR"/>
               <a:t>Deuxième niveau</a:t>
             </a:r>
           </a:p>
           <a:p>
             <a:pPr lvl="2"/>
             <a:r>
-              <a:rPr lang="fr-FR" smtClean="0"/>
+              <a:rPr lang="fr-FR"/>
               <a:t>Troisième niveau</a:t>
             </a:r>
           </a:p>
           <a:p>
             <a:pPr lvl="3"/>
             <a:r>
-              <a:rPr lang="fr-FR" smtClean="0"/>
+              <a:rPr lang="fr-FR"/>
               <a:t>Quatrième niveau</a:t>
             </a:r>
           </a:p>
           <a:p>
             <a:pPr lvl="4"/>
             <a:r>
-              <a:rPr lang="fr-FR" smtClean="0"/>
+              <a:rPr lang="fr-FR"/>
               <a:t>Cinquième niveau</a:t>
             </a:r>
-            <a:endParaRPr lang="fr-FR"/>
           </a:p>
         </p:txBody>
       </p:sp>
@@ -1427,38 +1423,37 @@
           <a:p>
             <a:pPr lvl="0"/>
             <a:r>
-              <a:rPr lang="fr-FR" smtClean="0"/>
+              <a:rPr lang="fr-FR"/>
               <a:t>Cliquez pour modifier les styles du texte du masque</a:t>
             </a:r>
           </a:p>
           <a:p>
             <a:pPr lvl="1"/>
             <a:r>
-              <a:rPr lang="fr-FR" smtClean="0"/>
+              <a:rPr lang="fr-FR"/>
               <a:t>Deuxième niveau</a:t>
             </a:r>
           </a:p>
           <a:p>
             <a:pPr lvl="2"/>
             <a:r>
-              <a:rPr lang="fr-FR" smtClean="0"/>
+              <a:rPr lang="fr-FR"/>
               <a:t>Troisième niveau</a:t>
             </a:r>
           </a:p>
           <a:p>
             <a:pPr lvl="3"/>
             <a:r>
-              <a:rPr lang="fr-FR" smtClean="0"/>
+              <a:rPr lang="fr-FR"/>
               <a:t>Quatrième niveau</a:t>
             </a:r>
           </a:p>
           <a:p>
             <a:pPr lvl="4"/>
             <a:r>
-              <a:rPr lang="fr-FR" smtClean="0"/>
+              <a:rPr lang="fr-FR"/>
               <a:t>Cinquième niveau</a:t>
             </a:r>
-            <a:endParaRPr lang="fr-FR"/>
           </a:p>
         </p:txBody>
       </p:sp>
@@ -1517,10 +1512,9 @@
           </a:lstStyle>
           <a:p>
             <a:r>
-              <a:rPr lang="fr-FR" smtClean="0"/>
+              <a:rPr lang="fr-FR"/>
               <a:t>Cliquez pour modifier le style du titre</a:t>
             </a:r>
-            <a:endParaRPr lang="fr-FR"/>
           </a:p>
         </p:txBody>
       </p:sp>
@@ -1583,7 +1577,7 @@
           <a:p>
             <a:pPr lvl="0"/>
             <a:r>
-              <a:rPr lang="fr-FR" smtClean="0"/>
+              <a:rPr lang="fr-FR"/>
               <a:t>Cliquez pour modifier les styles du texte du masque</a:t>
             </a:r>
           </a:p>
@@ -1639,38 +1633,37 @@
           <a:p>
             <a:pPr lvl="0"/>
             <a:r>
-              <a:rPr lang="fr-FR" smtClean="0"/>
+              <a:rPr lang="fr-FR"/>
               <a:t>Cliquez pour modifier les styles du texte du masque</a:t>
             </a:r>
           </a:p>
           <a:p>
             <a:pPr lvl="1"/>
             <a:r>
-              <a:rPr lang="fr-FR" smtClean="0"/>
+              <a:rPr lang="fr-FR"/>
               <a:t>Deuxième niveau</a:t>
             </a:r>
           </a:p>
           <a:p>
             <a:pPr lvl="2"/>
             <a:r>
-              <a:rPr lang="fr-FR" smtClean="0"/>
+              <a:rPr lang="fr-FR"/>
               <a:t>Troisième niveau</a:t>
             </a:r>
           </a:p>
           <a:p>
             <a:pPr lvl="3"/>
             <a:r>
-              <a:rPr lang="fr-FR" smtClean="0"/>
+              <a:rPr lang="fr-FR"/>
               <a:t>Quatrième niveau</a:t>
             </a:r>
           </a:p>
           <a:p>
             <a:pPr lvl="4"/>
             <a:r>
-              <a:rPr lang="fr-FR" smtClean="0"/>
+              <a:rPr lang="fr-FR"/>
               <a:t>Cinquième niveau</a:t>
             </a:r>
-            <a:endParaRPr lang="fr-FR"/>
           </a:p>
         </p:txBody>
       </p:sp>
@@ -1733,7 +1726,7 @@
           <a:p>
             <a:pPr lvl="0"/>
             <a:r>
-              <a:rPr lang="fr-FR" smtClean="0"/>
+              <a:rPr lang="fr-FR"/>
               <a:t>Cliquez pour modifier les styles du texte du masque</a:t>
             </a:r>
           </a:p>
@@ -1789,38 +1782,37 @@
           <a:p>
             <a:pPr lvl="0"/>
             <a:r>
-              <a:rPr lang="fr-FR" smtClean="0"/>
+              <a:rPr lang="fr-FR"/>
               <a:t>Cliquez pour modifier les styles du texte du masque</a:t>
             </a:r>
           </a:p>
           <a:p>
             <a:pPr lvl="1"/>
             <a:r>
-              <a:rPr lang="fr-FR" smtClean="0"/>
+              <a:rPr lang="fr-FR"/>
               <a:t>Deuxième niveau</a:t>
             </a:r>
           </a:p>
           <a:p>
             <a:pPr lvl="2"/>
             <a:r>
-              <a:rPr lang="fr-FR" smtClean="0"/>
+              <a:rPr lang="fr-FR"/>
               <a:t>Troisième niveau</a:t>
             </a:r>
           </a:p>
           <a:p>
             <a:pPr lvl="3"/>
             <a:r>
-              <a:rPr lang="fr-FR" smtClean="0"/>
+              <a:rPr lang="fr-FR"/>
               <a:t>Quatrième niveau</a:t>
             </a:r>
           </a:p>
           <a:p>
             <a:pPr lvl="4"/>
             <a:r>
-              <a:rPr lang="fr-FR" smtClean="0"/>
+              <a:rPr lang="fr-FR"/>
               <a:t>Cinquième niveau</a:t>
             </a:r>
-            <a:endParaRPr lang="fr-FR"/>
           </a:p>
         </p:txBody>
       </p:sp>
@@ -1870,10 +1862,9 @@
           <a:lstStyle/>
           <a:p>
             <a:r>
-              <a:rPr lang="fr-FR" smtClean="0"/>
+              <a:rPr lang="fr-FR"/>
               <a:t>Cliquez pour modifier le style du titre</a:t>
             </a:r>
-            <a:endParaRPr lang="fr-FR"/>
           </a:p>
         </p:txBody>
       </p:sp>
@@ -1962,10 +1953,9 @@
           </a:lstStyle>
           <a:p>
             <a:r>
-              <a:rPr lang="fr-FR" smtClean="0"/>
+              <a:rPr lang="fr-FR"/>
               <a:t>Cliquez pour modifier le style du titre</a:t>
             </a:r>
-            <a:endParaRPr lang="fr-FR"/>
           </a:p>
         </p:txBody>
       </p:sp>
@@ -2019,38 +2009,37 @@
           <a:p>
             <a:pPr lvl="0"/>
             <a:r>
-              <a:rPr lang="fr-FR" smtClean="0"/>
+              <a:rPr lang="fr-FR"/>
               <a:t>Cliquez pour modifier les styles du texte du masque</a:t>
             </a:r>
           </a:p>
           <a:p>
             <a:pPr lvl="1"/>
             <a:r>
-              <a:rPr lang="fr-FR" smtClean="0"/>
+              <a:rPr lang="fr-FR"/>
               <a:t>Deuxième niveau</a:t>
             </a:r>
           </a:p>
           <a:p>
             <a:pPr lvl="2"/>
             <a:r>
-              <a:rPr lang="fr-FR" smtClean="0"/>
+              <a:rPr lang="fr-FR"/>
               <a:t>Troisième niveau</a:t>
             </a:r>
           </a:p>
           <a:p>
             <a:pPr lvl="3"/>
             <a:r>
-              <a:rPr lang="fr-FR" smtClean="0"/>
+              <a:rPr lang="fr-FR"/>
               <a:t>Quatrième niveau</a:t>
             </a:r>
           </a:p>
           <a:p>
             <a:pPr lvl="4"/>
             <a:r>
-              <a:rPr lang="fr-FR" smtClean="0"/>
+              <a:rPr lang="fr-FR"/>
               <a:t>Cinquième niveau</a:t>
             </a:r>
-            <a:endParaRPr lang="fr-FR"/>
           </a:p>
         </p:txBody>
       </p:sp>
@@ -2113,7 +2102,7 @@
           <a:p>
             <a:pPr lvl="0"/>
             <a:r>
-              <a:rPr lang="fr-FR" smtClean="0"/>
+              <a:rPr lang="fr-FR"/>
               <a:t>Cliquez pour modifier les styles du texte du masque</a:t>
             </a:r>
           </a:p>
@@ -2174,10 +2163,9 @@
           </a:lstStyle>
           <a:p>
             <a:r>
-              <a:rPr lang="fr-FR" smtClean="0"/>
+              <a:rPr lang="fr-FR"/>
               <a:t>Cliquez pour modifier le style du titre</a:t>
             </a:r>
-            <a:endParaRPr lang="fr-FR"/>
           </a:p>
         </p:txBody>
       </p:sp>
@@ -2239,7 +2227,7 @@
           </a:lstStyle>
           <a:p>
             <a:pPr lvl="0"/>
-            <a:endParaRPr lang="fr-FR" noProof="0" smtClean="0"/>
+            <a:endParaRPr lang="fr-FR" noProof="0"/>
           </a:p>
         </p:txBody>
       </p:sp>
@@ -2302,7 +2290,7 @@
           <a:p>
             <a:pPr lvl="0"/>
             <a:r>
-              <a:rPr lang="fr-FR" smtClean="0"/>
+              <a:rPr lang="fr-FR"/>
               <a:t>Cliquez pour modifier les styles du texte du masque</a:t>
             </a:r>
           </a:p>
@@ -2354,10 +2342,9 @@
           <a:lstStyle/>
           <a:p>
             <a:r>
-              <a:rPr lang="fr-FR" smtClean="0"/>
+              <a:rPr lang="fr-FR"/>
               <a:t>Cliquez pour modifier le style du titre</a:t>
             </a:r>
-            <a:endParaRPr lang="fr-FR"/>
           </a:p>
         </p:txBody>
       </p:sp>
@@ -2378,38 +2365,37 @@
           <a:p>
             <a:pPr lvl="0"/>
             <a:r>
-              <a:rPr lang="fr-FR" smtClean="0"/>
+              <a:rPr lang="fr-FR"/>
               <a:t>Cliquez pour modifier les styles du texte du masque</a:t>
             </a:r>
           </a:p>
           <a:p>
             <a:pPr lvl="1"/>
             <a:r>
-              <a:rPr lang="fr-FR" smtClean="0"/>
+              <a:rPr lang="fr-FR"/>
               <a:t>Deuxième niveau</a:t>
             </a:r>
           </a:p>
           <a:p>
             <a:pPr lvl="2"/>
             <a:r>
-              <a:rPr lang="fr-FR" smtClean="0"/>
+              <a:rPr lang="fr-FR"/>
               <a:t>Troisième niveau</a:t>
             </a:r>
           </a:p>
           <a:p>
             <a:pPr lvl="3"/>
             <a:r>
-              <a:rPr lang="fr-FR" smtClean="0"/>
+              <a:rPr lang="fr-FR"/>
               <a:t>Quatrième niveau</a:t>
             </a:r>
           </a:p>
           <a:p>
             <a:pPr lvl="4"/>
             <a:r>
-              <a:rPr lang="fr-FR" smtClean="0"/>
+              <a:rPr lang="fr-FR"/>
               <a:t>Cinquième niveau</a:t>
             </a:r>
-            <a:endParaRPr lang="fr-FR"/>
           </a:p>
         </p:txBody>
       </p:sp>
@@ -2590,7 +2576,7 @@
             <a:pPr eaLnBrk="1" hangingPunct="1">
               <a:defRPr/>
             </a:pPr>
-            <a:endParaRPr lang="fr-FR" altLang="fr-FR" smtClean="0"/>
+            <a:endParaRPr lang="fr-FR" altLang="fr-FR"/>
           </a:p>
         </p:txBody>
       </p:sp>
@@ -2744,7 +2730,7 @@
               <a:defRPr/>
             </a:pPr>
             <a:r>
-              <a:rPr lang="fr-FR" sz="1200" dirty="0" smtClean="0"/>
+              <a:rPr lang="fr-FR" sz="1200" dirty="0"/>
               <a:t>Page </a:t>
             </a:r>
             <a:fld id="{E218E9B1-FD08-4C80-902E-210BA2967D0D}" type="slidenum">
@@ -2757,7 +2743,7 @@
               </a:pPr>
               <a:t>‹N°›</a:t>
             </a:fld>
-            <a:endParaRPr lang="fr-FR" dirty="0" smtClean="0">
+            <a:endParaRPr lang="fr-FR" dirty="0">
               <a:latin typeface="Times New Roman" pitchFamily="18" charset="0"/>
             </a:endParaRPr>
           </a:p>
@@ -2913,10 +2899,10 @@
               <a:defRPr/>
             </a:pPr>
             <a:r>
-              <a:rPr lang="fr-FR" sz="1600" dirty="0" err="1" smtClean="0"/>
+              <a:rPr lang="fr-FR" sz="1600" dirty="0" err="1"/>
               <a:t>IoT</a:t>
             </a:r>
-            <a:endParaRPr lang="fr-FR" dirty="0" smtClean="0">
+            <a:endParaRPr lang="fr-FR" dirty="0">
               <a:latin typeface="Times New Roman" pitchFamily="18" charset="0"/>
             </a:endParaRPr>
           </a:p>
@@ -2974,7 +2960,7 @@
           <a:p>
             <a:pPr lvl="0"/>
             <a:r>
-              <a:rPr lang="fr-FR" altLang="fr-FR" smtClean="0"/>
+              <a:rPr lang="fr-FR" altLang="fr-FR"/>
               <a:t>Cliquez pour modifier le style du titre du masque</a:t>
             </a:r>
           </a:p>
@@ -3032,35 +3018,35 @@
           <a:p>
             <a:pPr lvl="0"/>
             <a:r>
-              <a:rPr lang="fr-FR" altLang="fr-FR" smtClean="0"/>
+              <a:rPr lang="fr-FR" altLang="fr-FR"/>
               <a:t>Cliquez pour modifier les styles du texte du masque</a:t>
             </a:r>
           </a:p>
           <a:p>
             <a:pPr lvl="1"/>
             <a:r>
-              <a:rPr lang="fr-FR" altLang="fr-FR" smtClean="0"/>
+              <a:rPr lang="fr-FR" altLang="fr-FR"/>
               <a:t>Deuxième niveau</a:t>
             </a:r>
           </a:p>
           <a:p>
             <a:pPr lvl="2"/>
             <a:r>
-              <a:rPr lang="fr-FR" altLang="fr-FR" smtClean="0"/>
+              <a:rPr lang="fr-FR" altLang="fr-FR"/>
               <a:t>Troisième niveau</a:t>
             </a:r>
           </a:p>
           <a:p>
             <a:pPr lvl="3"/>
             <a:r>
-              <a:rPr lang="fr-FR" altLang="fr-FR" smtClean="0"/>
+              <a:rPr lang="fr-FR" altLang="fr-FR"/>
               <a:t>Quatrième niveau</a:t>
             </a:r>
           </a:p>
           <a:p>
             <a:pPr lvl="4"/>
             <a:r>
-              <a:rPr lang="fr-FR" altLang="fr-FR" smtClean="0"/>
+              <a:rPr lang="fr-FR" altLang="fr-FR"/>
               <a:t>Cinquième niveau</a:t>
             </a:r>
           </a:p>
@@ -3216,10 +3202,10 @@
               <a:defRPr/>
             </a:pPr>
             <a:r>
-              <a:rPr lang="fr-FR" sz="1200" smtClean="0"/>
+              <a:rPr lang="fr-FR" sz="1200"/>
               <a:t>© Cyril Vincent Conseil</a:t>
             </a:r>
-            <a:endParaRPr lang="fr-FR" smtClean="0">
+            <a:endParaRPr lang="fr-FR">
               <a:latin typeface="Times New Roman" pitchFamily="18" charset="0"/>
             </a:endParaRPr>
           </a:p>
@@ -3706,10 +3692,10 @@
           <a:p>
             <a:pPr eaLnBrk="1" hangingPunct="1"/>
             <a:r>
-              <a:rPr lang="fr-FR" altLang="fr-FR" dirty="0" err="1" smtClean="0"/>
+              <a:rPr lang="fr-FR" altLang="fr-FR" dirty="0" err="1"/>
               <a:t>IoT</a:t>
             </a:r>
-            <a:endParaRPr lang="fr-FR" altLang="fr-FR" dirty="0" smtClean="0"/>
+            <a:endParaRPr lang="fr-FR" altLang="fr-FR" dirty="0"/>
           </a:p>
           <a:p>
             <a:pPr eaLnBrk="1" hangingPunct="1"/>
@@ -3718,17 +3704,17 @@
           <a:p>
             <a:pPr eaLnBrk="1" hangingPunct="1"/>
             <a:r>
-              <a:rPr lang="fr-FR" altLang="fr-FR" dirty="0" smtClean="0"/>
+              <a:rPr lang="fr-FR" altLang="fr-FR" dirty="0"/>
               <a:t>Chapitre 6</a:t>
             </a:r>
           </a:p>
           <a:p>
             <a:pPr eaLnBrk="1" hangingPunct="1"/>
             <a:r>
-              <a:rPr lang="fr-FR" altLang="fr-FR" dirty="0" err="1" smtClean="0"/>
+              <a:rPr lang="fr-FR" altLang="fr-FR" dirty="0" err="1"/>
               <a:t>Raspbian</a:t>
             </a:r>
-            <a:endParaRPr lang="fr-FR" altLang="fr-FR" dirty="0" smtClean="0"/>
+            <a:endParaRPr lang="fr-FR" altLang="fr-FR" dirty="0"/>
           </a:p>
         </p:txBody>
       </p:sp>
@@ -3778,13 +3764,6 @@
   <p:clrMapOvr>
     <a:masterClrMapping/>
   </p:clrMapOvr>
-  <p:timing>
-    <p:tnLst>
-      <p:par>
-        <p:cTn id="1" dur="indefinite" restart="never" nodeType="tmRoot"/>
-      </p:par>
-    </p:tnLst>
-  </p:timing>
 </p:sld>
 </file>
 
@@ -3821,7 +3800,7 @@
           <a:lstStyle/>
           <a:p>
             <a:r>
-              <a:rPr lang="fr-FR" dirty="0" err="1" smtClean="0"/>
+              <a:rPr lang="fr-FR" dirty="0" err="1"/>
               <a:t>ifconfig</a:t>
             </a:r>
             <a:endParaRPr lang="fr-FR" dirty="0"/>
@@ -3844,16 +3823,31 @@
           <a:lstStyle/>
           <a:p>
             <a:r>
-              <a:rPr lang="fr-FR" dirty="0" smtClean="0"/>
+              <a:rPr lang="fr-FR" dirty="0"/>
               <a:t>La commande </a:t>
             </a:r>
             <a:r>
-              <a:rPr lang="fr-FR" dirty="0" err="1" smtClean="0"/>
+              <a:rPr lang="fr-FR" dirty="0" err="1"/>
               <a:t>ifconfig</a:t>
             </a:r>
             <a:r>
-              <a:rPr lang="fr-FR" dirty="0" smtClean="0"/>
+              <a:rPr lang="fr-FR" dirty="0"/>
               <a:t> (Interface Config) permet de connaitre son adresse IP</a:t>
+            </a:r>
+          </a:p>
+          <a:p>
+            <a:endParaRPr lang="fr-FR" dirty="0"/>
+          </a:p>
+          <a:p>
+            <a:endParaRPr lang="fr-FR" dirty="0"/>
+          </a:p>
+          <a:p>
+            <a:endParaRPr lang="fr-FR" dirty="0"/>
+          </a:p>
+          <a:p>
+            <a:r>
+              <a:rPr lang="fr-FR" dirty="0"/>
+              <a:t>Il est également possible de configurer le Wifi via l'icône en bas à droite de l'écran</a:t>
             </a:r>
           </a:p>
           <a:p>
@@ -3893,13 +3887,6 @@
   <p:clrMapOvr>
     <a:masterClrMapping/>
   </p:clrMapOvr>
-  <p:timing>
-    <p:tnLst>
-      <p:par>
-        <p:cTn id="1" dur="indefinite" restart="never" nodeType="tmRoot"/>
-      </p:par>
-    </p:tnLst>
-  </p:timing>
 </p:sld>
 </file>
 
@@ -3936,10 +3923,17 @@
           <a:lstStyle/>
           <a:p>
             <a:r>
-              <a:rPr lang="fr-FR" dirty="0" smtClean="0"/>
-              <a:t>SSH</a:t>
-            </a:r>
-            <a:endParaRPr lang="fr-FR" dirty="0"/>
+              <a:rPr lang="fr-FR" dirty="0"/>
+              <a:t>1</a:t>
+            </a:r>
+            <a:r>
+              <a:rPr lang="fr-FR" baseline="30000" dirty="0"/>
+              <a:t>er</a:t>
+            </a:r>
+            <a:r>
+              <a:rPr lang="fr-FR" dirty="0"/>
+              <a:t> démarrage sans écran</a:t>
+            </a:r>
           </a:p>
         </p:txBody>
       </p:sp>
@@ -3959,103 +3953,42 @@
           <a:lstStyle/>
           <a:p>
             <a:r>
-              <a:rPr lang="fr-FR" dirty="0" smtClean="0"/>
-              <a:t>SSH (Secure Shell) est un protocole pour communiquer avec un </a:t>
-            </a:r>
-            <a:r>
-              <a:rPr lang="fr-FR" dirty="0" err="1" smtClean="0"/>
-              <a:t>shell</a:t>
-            </a:r>
-            <a:r>
-              <a:rPr lang="fr-FR" dirty="0" smtClean="0"/>
-              <a:t> distant</a:t>
-            </a:r>
-          </a:p>
-          <a:p>
-            <a:r>
-              <a:rPr lang="fr-FR" dirty="0" smtClean="0"/>
-              <a:t>Nécessite d'être activé sur </a:t>
-            </a:r>
-            <a:r>
-              <a:rPr lang="fr-FR" dirty="0" err="1" smtClean="0"/>
-              <a:t>Raspian</a:t>
-            </a:r>
-            <a:endParaRPr lang="fr-FR" dirty="0" smtClean="0"/>
-          </a:p>
-          <a:p>
-            <a:r>
-              <a:rPr lang="fr-FR" dirty="0" smtClean="0"/>
-              <a:t>Sur Windows nécessite l'installation de SSH</a:t>
+              <a:rPr lang="fr-FR" dirty="0"/>
+              <a:t>Si vous n'avez pas d'écran au premier démarrage il est néanmoins possible de démarrer</a:t>
             </a:r>
           </a:p>
           <a:p>
             <a:pPr lvl="1"/>
             <a:r>
-              <a:rPr lang="fr-FR" dirty="0" smtClean="0"/>
-              <a:t>Mode admin</a:t>
+              <a:rPr lang="fr-FR" dirty="0"/>
+              <a:t>Facultatif</a:t>
+            </a:r>
+          </a:p>
+          <a:p>
+            <a:r>
+              <a:rPr lang="fr-FR" dirty="0"/>
+              <a:t>Pour cela il faut depuis un autre PC écrire directement des fichiers sur la partition boot de la carte SD</a:t>
             </a:r>
           </a:p>
           <a:p>
             <a:pPr lvl="1"/>
             <a:r>
-              <a:rPr lang="fr-FR" dirty="0" smtClean="0"/>
-              <a:t>Si non admin installation de </a:t>
-            </a:r>
-            <a:r>
-              <a:rPr lang="fr-FR" dirty="0" err="1" smtClean="0"/>
-              <a:t>PuTTY</a:t>
-            </a:r>
-            <a:endParaRPr lang="fr-FR" dirty="0" smtClean="0"/>
-          </a:p>
-          <a:p>
-            <a:r>
-              <a:rPr lang="fr-FR" dirty="0" smtClean="0"/>
-              <a:t>Connection</a:t>
-            </a:r>
-          </a:p>
-          <a:p>
-            <a:pPr lvl="1"/>
-            <a:r>
-              <a:rPr lang="fr-FR" dirty="0" err="1" smtClean="0"/>
-              <a:t>ssh</a:t>
-            </a:r>
-            <a:r>
-              <a:rPr lang="fr-FR" dirty="0" smtClean="0"/>
-              <a:t> pi@192.168.1.100 ou </a:t>
-            </a:r>
-            <a:r>
-              <a:rPr lang="fr-FR" dirty="0" err="1" smtClean="0"/>
-              <a:t>ssh</a:t>
-            </a:r>
-            <a:r>
-              <a:rPr lang="fr-FR" dirty="0" smtClean="0"/>
-              <a:t> </a:t>
-            </a:r>
-            <a:r>
-              <a:rPr lang="fr-FR" dirty="0" err="1" smtClean="0"/>
-              <a:t>pi@raspberrypi</a:t>
-            </a:r>
-            <a:endParaRPr lang="fr-FR" dirty="0"/>
+              <a:rPr lang="fr-FR" dirty="0"/>
+              <a:t>Afin d'activer le SSH et le réseau</a:t>
+            </a:r>
           </a:p>
         </p:txBody>
       </p:sp>
     </p:spTree>
     <p:extLst>
       <p:ext uri="{BB962C8B-B14F-4D97-AF65-F5344CB8AC3E}">
-        <p14:creationId xmlns:p14="http://schemas.microsoft.com/office/powerpoint/2010/main" val="3993581187"/>
+        <p14:creationId xmlns:p14="http://schemas.microsoft.com/office/powerpoint/2010/main" val="516483032"/>
       </p:ext>
     </p:extLst>
   </p:cSld>
   <p:clrMapOvr>
     <a:masterClrMapping/>
   </p:clrMapOvr>
-  <p:timing>
-    <p:tnLst>
-      <p:par>
-        <p:cTn id="1" dur="indefinite" restart="never" nodeType="tmRoot"/>
-      </p:par>
-    </p:tnLst>
-  </p:timing>
 </p:sld>
 </file>
 
@@ -4092,18 +4025,17 @@
           <a:lstStyle/>
           <a:p>
             <a:r>
-              <a:rPr lang="fr-FR" dirty="0" smtClean="0"/>
+              <a:rPr lang="fr-FR" dirty="0"/>
               <a:t>1</a:t>
             </a:r>
             <a:r>
-              <a:rPr lang="fr-FR" baseline="30000" dirty="0" smtClean="0"/>
+              <a:rPr lang="fr-FR" baseline="30000" dirty="0"/>
               <a:t>er</a:t>
             </a:r>
             <a:r>
-              <a:rPr lang="fr-FR" dirty="0" smtClean="0"/>
-              <a:t> SSH</a:t>
-            </a:r>
-            <a:endParaRPr lang="fr-FR" dirty="0"/>
+              <a:rPr lang="fr-FR" dirty="0"/>
+              <a:t> démarrage sans écran - Ethernet</a:t>
+            </a:r>
           </a:p>
         </p:txBody>
       </p:sp>
@@ -4123,97 +4055,41 @@
           <a:lstStyle/>
           <a:p>
             <a:r>
-              <a:rPr lang="fr-FR" dirty="0" smtClean="0"/>
-              <a:t>Les 2 premières commande a effectuer sont</a:t>
+              <a:rPr lang="fr-FR" dirty="0"/>
+              <a:t>Ethernet</a:t>
             </a:r>
           </a:p>
           <a:p>
             <a:pPr lvl="1"/>
             <a:r>
-              <a:rPr lang="fr-FR" dirty="0" err="1" smtClean="0"/>
-              <a:t>sudo</a:t>
-            </a:r>
-            <a:r>
-              <a:rPr lang="fr-FR" dirty="0" smtClean="0"/>
-              <a:t> </a:t>
-            </a:r>
-            <a:r>
-              <a:rPr lang="fr-FR" dirty="0" err="1" smtClean="0"/>
-              <a:t>apt-get</a:t>
-            </a:r>
-            <a:r>
-              <a:rPr lang="fr-FR" dirty="0" smtClean="0"/>
-              <a:t> update</a:t>
+              <a:rPr lang="fr-FR" dirty="0"/>
+              <a:t>Le plus simple est de connecter un câble Ethernet car il n'y a pas de configuration</a:t>
             </a:r>
           </a:p>
           <a:p>
             <a:pPr lvl="1"/>
             <a:r>
-              <a:rPr lang="fr-FR" dirty="0" err="1" smtClean="0"/>
-              <a:t>sudo</a:t>
-            </a:r>
-            <a:r>
-              <a:rPr lang="fr-FR" dirty="0" smtClean="0"/>
-              <a:t> </a:t>
-            </a:r>
-            <a:r>
-              <a:rPr lang="fr-FR" dirty="0" err="1" smtClean="0"/>
-              <a:t>apt-get</a:t>
-            </a:r>
-            <a:r>
-              <a:rPr lang="fr-FR" dirty="0" smtClean="0"/>
-              <a:t> upgrade</a:t>
-            </a:r>
-          </a:p>
-          <a:p>
-            <a:r>
-              <a:rPr lang="fr-FR" dirty="0" err="1" smtClean="0"/>
-              <a:t>Sudo</a:t>
-            </a:r>
-            <a:endParaRPr lang="fr-FR" dirty="0" smtClean="0"/>
+              <a:rPr lang="fr-FR" dirty="0"/>
+              <a:t>Scanner le réseau depuis le routeur pour connaitre la nouvelle adresse IP du Raspberry</a:t>
+            </a:r>
           </a:p>
           <a:p>
             <a:pPr lvl="1"/>
             <a:r>
-              <a:rPr lang="fr-FR" dirty="0" smtClean="0"/>
-              <a:t>Super user do</a:t>
+              <a:rPr lang="fr-FR" dirty="0"/>
+              <a:t>Commande </a:t>
+            </a:r>
+            <a:r>
+              <a:rPr lang="fr-FR" dirty="0" err="1"/>
+              <a:t>arp</a:t>
+            </a:r>
+            <a:r>
+              <a:rPr lang="fr-FR" dirty="0"/>
+              <a:t> -a</a:t>
             </a:r>
           </a:p>
           <a:p>
             <a:pPr lvl="1"/>
-            <a:r>
-              <a:rPr lang="fr-FR" dirty="0" smtClean="0"/>
-              <a:t>Droit admin</a:t>
-            </a:r>
-          </a:p>
-          <a:p>
-            <a:r>
-              <a:rPr lang="fr-FR" dirty="0" err="1" smtClean="0"/>
-              <a:t>apt-get</a:t>
-            </a:r>
-            <a:endParaRPr lang="fr-FR" dirty="0" smtClean="0"/>
-          </a:p>
-          <a:p>
-            <a:pPr lvl="1"/>
-            <a:r>
-              <a:rPr lang="fr-FR" dirty="0" smtClean="0"/>
-              <a:t>Utilitaire Debian d'installation</a:t>
-            </a:r>
-          </a:p>
-          <a:p>
-            <a:r>
-              <a:rPr lang="fr-FR" dirty="0" smtClean="0"/>
-              <a:t>update et upgrade</a:t>
-            </a:r>
-          </a:p>
-          <a:p>
-            <a:pPr lvl="1"/>
-            <a:r>
-              <a:rPr lang="fr-FR" dirty="0" smtClean="0"/>
-              <a:t>Met le système à jour</a:t>
-            </a:r>
-          </a:p>
-          <a:p>
             <a:endParaRPr lang="fr-FR" dirty="0"/>
           </a:p>
         </p:txBody>
@@ -4221,20 +4097,13 @@
     </p:spTree>
     <p:extLst>
       <p:ext uri="{BB962C8B-B14F-4D97-AF65-F5344CB8AC3E}">
-        <p14:creationId xmlns:p14="http://schemas.microsoft.com/office/powerpoint/2010/main" val="3868300533"/>
+        <p14:creationId xmlns:p14="http://schemas.microsoft.com/office/powerpoint/2010/main" val="2201302058"/>
       </p:ext>
     </p:extLst>
   </p:cSld>
   <p:clrMapOvr>
     <a:masterClrMapping/>
   </p:clrMapOvr>
-  <p:timing>
-    <p:tnLst>
-      <p:par>
-        <p:cTn id="1" dur="indefinite" restart="never" nodeType="tmRoot"/>
-      </p:par>
-    </p:tnLst>
-  </p:timing>
 </p:sld>
 </file>
 
@@ -4271,10 +4140,17 @@
           <a:lstStyle/>
           <a:p>
             <a:r>
-              <a:rPr lang="fr-FR" dirty="0" smtClean="0"/>
-              <a:t>VNC</a:t>
-            </a:r>
-            <a:endParaRPr lang="fr-FR" dirty="0"/>
+              <a:rPr lang="fr-FR" dirty="0"/>
+              <a:t>1</a:t>
+            </a:r>
+            <a:r>
+              <a:rPr lang="fr-FR" baseline="30000" dirty="0"/>
+              <a:t>er</a:t>
+            </a:r>
+            <a:r>
+              <a:rPr lang="fr-FR" dirty="0"/>
+              <a:t> démarrage sans écran - Wifi</a:t>
+            </a:r>
           </a:p>
         </p:txBody>
       </p:sp>
@@ -4294,32 +4170,585 @@
           <a:lstStyle/>
           <a:p>
             <a:r>
-              <a:rPr lang="fr-FR" dirty="0" smtClean="0"/>
-              <a:t>VNC et </a:t>
-            </a:r>
-            <a:r>
-              <a:rPr lang="fr-FR" dirty="0" err="1" smtClean="0"/>
-              <a:t>Remote</a:t>
-            </a:r>
-            <a:r>
-              <a:rPr lang="fr-FR" dirty="0" smtClean="0"/>
-              <a:t> Desktop sont des outils d'accès distant accessible depuis Windows</a:t>
-            </a:r>
-          </a:p>
-          <a:p>
-            <a:r>
-              <a:rPr lang="fr-FR" dirty="0" smtClean="0"/>
-              <a:t>Pour les installer</a:t>
+              <a:rPr lang="fr-FR" dirty="0"/>
+              <a:t>Wifi</a:t>
             </a:r>
           </a:p>
           <a:p>
             <a:pPr lvl="1"/>
             <a:r>
-              <a:rPr lang="fr-FR" dirty="0" err="1" smtClean="0"/>
+              <a:rPr lang="fr-FR" dirty="0"/>
+              <a:t>Créer un fichier </a:t>
+            </a:r>
+            <a:r>
+              <a:rPr lang="fr-FR" dirty="0" err="1"/>
+              <a:t>wpa_supplicant.conf</a:t>
+            </a:r>
+            <a:r>
+              <a:rPr lang="fr-FR" dirty="0"/>
+              <a:t> à la racine de la partition boot, puis scanner le réseau avec scanips.py</a:t>
+            </a:r>
+          </a:p>
+          <a:p>
+            <a:pPr marL="457200" lvl="1" indent="0">
+              <a:buNone/>
+            </a:pPr>
+            <a:r>
+              <a:rPr lang="fr-FR" sz="1400" dirty="0" err="1">
+                <a:latin typeface="Courier New" panose="02070309020205020404" pitchFamily="49" charset="0"/>
+                <a:cs typeface="Courier New" panose="02070309020205020404" pitchFamily="49" charset="0"/>
+              </a:rPr>
+              <a:t>ctrl_interface</a:t>
+            </a:r>
+            <a:r>
+              <a:rPr lang="fr-FR" sz="1400" dirty="0">
+                <a:latin typeface="Courier New" panose="02070309020205020404" pitchFamily="49" charset="0"/>
+                <a:cs typeface="Courier New" panose="02070309020205020404" pitchFamily="49" charset="0"/>
+              </a:rPr>
+              <a:t>=DIR=/var/run/</a:t>
+            </a:r>
+            <a:r>
+              <a:rPr lang="fr-FR" sz="1400" dirty="0" err="1">
+                <a:latin typeface="Courier New" panose="02070309020205020404" pitchFamily="49" charset="0"/>
+                <a:cs typeface="Courier New" panose="02070309020205020404" pitchFamily="49" charset="0"/>
+              </a:rPr>
+              <a:t>wpa_supplicant</a:t>
+            </a:r>
+            <a:r>
+              <a:rPr lang="fr-FR" sz="1400" dirty="0">
+                <a:latin typeface="Courier New" panose="02070309020205020404" pitchFamily="49" charset="0"/>
+                <a:cs typeface="Courier New" panose="02070309020205020404" pitchFamily="49" charset="0"/>
+              </a:rPr>
+              <a:t> GROUP=</a:t>
+            </a:r>
+            <a:r>
+              <a:rPr lang="fr-FR" sz="1400" dirty="0" err="1">
+                <a:latin typeface="Courier New" panose="02070309020205020404" pitchFamily="49" charset="0"/>
+                <a:cs typeface="Courier New" panose="02070309020205020404" pitchFamily="49" charset="0"/>
+              </a:rPr>
+              <a:t>netdev</a:t>
+            </a:r>
+            <a:endParaRPr lang="fr-FR" sz="1400" dirty="0">
+              <a:latin typeface="Courier New" panose="02070309020205020404" pitchFamily="49" charset="0"/>
+              <a:cs typeface="Courier New" panose="02070309020205020404" pitchFamily="49" charset="0"/>
+            </a:endParaRPr>
+          </a:p>
+          <a:p>
+            <a:pPr marL="457200" lvl="1" indent="0">
+              <a:buNone/>
+            </a:pPr>
+            <a:r>
+              <a:rPr lang="fr-FR" sz="1400" dirty="0" err="1">
+                <a:latin typeface="Courier New" panose="02070309020205020404" pitchFamily="49" charset="0"/>
+                <a:cs typeface="Courier New" panose="02070309020205020404" pitchFamily="49" charset="0"/>
+              </a:rPr>
+              <a:t>update_config</a:t>
+            </a:r>
+            <a:r>
+              <a:rPr lang="fr-FR" sz="1400" dirty="0">
+                <a:latin typeface="Courier New" panose="02070309020205020404" pitchFamily="49" charset="0"/>
+                <a:cs typeface="Courier New" panose="02070309020205020404" pitchFamily="49" charset="0"/>
+              </a:rPr>
+              <a:t>=1</a:t>
+            </a:r>
+          </a:p>
+          <a:p>
+            <a:pPr marL="457200" lvl="1" indent="0">
+              <a:buNone/>
+            </a:pPr>
+            <a:r>
+              <a:rPr lang="fr-FR" sz="1400" dirty="0">
+                <a:latin typeface="Courier New" panose="02070309020205020404" pitchFamily="49" charset="0"/>
+                <a:cs typeface="Courier New" panose="02070309020205020404" pitchFamily="49" charset="0"/>
+              </a:rPr>
+              <a:t>country=FR</a:t>
+            </a:r>
+          </a:p>
+          <a:p>
+            <a:pPr marL="457200" lvl="1" indent="0">
+              <a:buNone/>
+            </a:pPr>
+            <a:endParaRPr lang="fr-FR" sz="1400" dirty="0">
+              <a:latin typeface="Courier New" panose="02070309020205020404" pitchFamily="49" charset="0"/>
+              <a:cs typeface="Courier New" panose="02070309020205020404" pitchFamily="49" charset="0"/>
+            </a:endParaRPr>
+          </a:p>
+          <a:p>
+            <a:pPr marL="457200" lvl="1" indent="0">
+              <a:buNone/>
+            </a:pPr>
+            <a:r>
+              <a:rPr lang="fr-FR" sz="1400" dirty="0">
+                <a:latin typeface="Courier New" panose="02070309020205020404" pitchFamily="49" charset="0"/>
+                <a:cs typeface="Courier New" panose="02070309020205020404" pitchFamily="49" charset="0"/>
+              </a:rPr>
+              <a:t>network={</a:t>
+            </a:r>
+          </a:p>
+          <a:p>
+            <a:pPr marL="457200" lvl="1" indent="0">
+              <a:buNone/>
+            </a:pPr>
+            <a:r>
+              <a:rPr lang="fr-FR" sz="1400" dirty="0">
+                <a:latin typeface="Courier New" panose="02070309020205020404" pitchFamily="49" charset="0"/>
+                <a:cs typeface="Courier New" panose="02070309020205020404" pitchFamily="49" charset="0"/>
+              </a:rPr>
+              <a:t>	</a:t>
+            </a:r>
+            <a:r>
+              <a:rPr lang="fr-FR" sz="1400" dirty="0" err="1">
+                <a:latin typeface="Courier New" panose="02070309020205020404" pitchFamily="49" charset="0"/>
+                <a:cs typeface="Courier New" panose="02070309020205020404" pitchFamily="49" charset="0"/>
+              </a:rPr>
+              <a:t>ssid</a:t>
+            </a:r>
+            <a:r>
+              <a:rPr lang="fr-FR" sz="1400" dirty="0">
+                <a:latin typeface="Courier New" panose="02070309020205020404" pitchFamily="49" charset="0"/>
+                <a:cs typeface="Courier New" panose="02070309020205020404" pitchFamily="49" charset="0"/>
+              </a:rPr>
+              <a:t>="</a:t>
+            </a:r>
+            <a:r>
+              <a:rPr lang="fr-FR" sz="1400" dirty="0" err="1">
+                <a:latin typeface="Courier New" panose="02070309020205020404" pitchFamily="49" charset="0"/>
+                <a:cs typeface="Courier New" panose="02070309020205020404" pitchFamily="49" charset="0"/>
+              </a:rPr>
+              <a:t>yourssid</a:t>
+            </a:r>
+            <a:r>
+              <a:rPr lang="fr-FR" sz="1400" dirty="0">
+                <a:latin typeface="Courier New" panose="02070309020205020404" pitchFamily="49" charset="0"/>
+                <a:cs typeface="Courier New" panose="02070309020205020404" pitchFamily="49" charset="0"/>
+              </a:rPr>
+              <a:t>"</a:t>
+            </a:r>
+          </a:p>
+          <a:p>
+            <a:pPr marL="457200" lvl="1" indent="0">
+              <a:buNone/>
+            </a:pPr>
+            <a:r>
+              <a:rPr lang="fr-FR" sz="1400" dirty="0">
+                <a:latin typeface="Courier New" panose="02070309020205020404" pitchFamily="49" charset="0"/>
+                <a:cs typeface="Courier New" panose="02070309020205020404" pitchFamily="49" charset="0"/>
+              </a:rPr>
+              <a:t>	</a:t>
+            </a:r>
+            <a:r>
+              <a:rPr lang="fr-FR" sz="1400" dirty="0" err="1">
+                <a:latin typeface="Courier New" panose="02070309020205020404" pitchFamily="49" charset="0"/>
+                <a:cs typeface="Courier New" panose="02070309020205020404" pitchFamily="49" charset="0"/>
+              </a:rPr>
+              <a:t>psk</a:t>
+            </a:r>
+            <a:r>
+              <a:rPr lang="fr-FR" sz="1400" dirty="0">
+                <a:latin typeface="Courier New" panose="02070309020205020404" pitchFamily="49" charset="0"/>
+                <a:cs typeface="Courier New" panose="02070309020205020404" pitchFamily="49" charset="0"/>
+              </a:rPr>
+              <a:t>="</a:t>
+            </a:r>
+            <a:r>
+              <a:rPr lang="fr-FR" sz="1400" dirty="0" err="1">
+                <a:latin typeface="Courier New" panose="02070309020205020404" pitchFamily="49" charset="0"/>
+                <a:cs typeface="Courier New" panose="02070309020205020404" pitchFamily="49" charset="0"/>
+              </a:rPr>
+              <a:t>yourpassword</a:t>
+            </a:r>
+            <a:r>
+              <a:rPr lang="fr-FR" sz="1400" dirty="0">
+                <a:latin typeface="Courier New" panose="02070309020205020404" pitchFamily="49" charset="0"/>
+                <a:cs typeface="Courier New" panose="02070309020205020404" pitchFamily="49" charset="0"/>
+              </a:rPr>
+              <a:t>"</a:t>
+            </a:r>
+          </a:p>
+          <a:p>
+            <a:pPr marL="457200" lvl="1" indent="0">
+              <a:buNone/>
+            </a:pPr>
+            <a:r>
+              <a:rPr lang="fr-FR" sz="1400" dirty="0">
+                <a:latin typeface="Courier New" panose="02070309020205020404" pitchFamily="49" charset="0"/>
+                <a:cs typeface="Courier New" panose="02070309020205020404" pitchFamily="49" charset="0"/>
+              </a:rPr>
+              <a:t>	</a:t>
+            </a:r>
+            <a:r>
+              <a:rPr lang="fr-FR" sz="1400" dirty="0" err="1">
+                <a:latin typeface="Courier New" panose="02070309020205020404" pitchFamily="49" charset="0"/>
+                <a:cs typeface="Courier New" panose="02070309020205020404" pitchFamily="49" charset="0"/>
+              </a:rPr>
+              <a:t>key_mgmt</a:t>
+            </a:r>
+            <a:r>
+              <a:rPr lang="fr-FR" sz="1400" dirty="0">
+                <a:latin typeface="Courier New" panose="02070309020205020404" pitchFamily="49" charset="0"/>
+                <a:cs typeface="Courier New" panose="02070309020205020404" pitchFamily="49" charset="0"/>
+              </a:rPr>
+              <a:t>=WPA-PSK</a:t>
+            </a:r>
+          </a:p>
+          <a:p>
+            <a:pPr marL="457200" lvl="1" indent="0">
+              <a:buNone/>
+            </a:pPr>
+            <a:r>
+              <a:rPr lang="fr-FR" sz="1400" dirty="0">
+                <a:latin typeface="Courier New" panose="02070309020205020404" pitchFamily="49" charset="0"/>
+                <a:cs typeface="Courier New" panose="02070309020205020404" pitchFamily="49" charset="0"/>
+              </a:rPr>
+              <a:t>}</a:t>
+            </a:r>
+          </a:p>
+          <a:p>
+            <a:pPr lvl="1"/>
+            <a:endParaRPr lang="fr-FR" dirty="0"/>
+          </a:p>
+          <a:p>
+            <a:pPr lvl="1"/>
+            <a:endParaRPr lang="fr-FR" dirty="0"/>
+          </a:p>
+          <a:p>
+            <a:pPr lvl="1"/>
+            <a:endParaRPr lang="fr-FR" dirty="0"/>
+          </a:p>
+        </p:txBody>
+      </p:sp>
+    </p:spTree>
+    <p:extLst>
+      <p:ext uri="{BB962C8B-B14F-4D97-AF65-F5344CB8AC3E}">
+        <p14:creationId xmlns:p14="http://schemas.microsoft.com/office/powerpoint/2010/main" val="1840206241"/>
+      </p:ext>
+    </p:extLst>
+  </p:cSld>
+  <p:clrMapOvr>
+    <a:masterClrMapping/>
+  </p:clrMapOvr>
+</p:sld>
+</file>
+
+<file path=ppt/slides/slide14.xml><?xml version="1.0" encoding="utf-8"?>
+<p:sld xmlns:a="http://schemas.openxmlformats.org/drawingml/2006/main" xmlns:r="http://schemas.openxmlformats.org/officeDocument/2006/relationships" xmlns:p="http://schemas.openxmlformats.org/presentationml/2006/main">
+  <p:cSld>
+    <p:spTree>
+      <p:nvGrpSpPr>
+        <p:cNvPr id="1" name=""/>
+        <p:cNvGrpSpPr/>
+        <p:nvPr/>
+      </p:nvGrpSpPr>
+      <p:grpSpPr>
+        <a:xfrm>
+          <a:off x="0" y="0"/>
+          <a:ext cx="0" cy="0"/>
+          <a:chOff x="0" y="0"/>
+          <a:chExt cx="0" cy="0"/>
+        </a:xfrm>
+      </p:grpSpPr>
+      <p:sp>
+        <p:nvSpPr>
+          <p:cNvPr id="2" name="Titre 1"/>
+          <p:cNvSpPr>
+            <a:spLocks noGrp="1"/>
+          </p:cNvSpPr>
+          <p:nvPr>
+            <p:ph type="title"/>
+          </p:nvPr>
+        </p:nvSpPr>
+        <p:spPr/>
+        <p:txBody>
+          <a:bodyPr/>
+          <a:lstStyle/>
+          <a:p>
+            <a:r>
+              <a:rPr lang="fr-FR" dirty="0"/>
+              <a:t>1</a:t>
+            </a:r>
+            <a:r>
+              <a:rPr lang="fr-FR" baseline="30000" dirty="0"/>
+              <a:t>er</a:t>
+            </a:r>
+            <a:r>
+              <a:rPr lang="fr-FR" dirty="0"/>
+              <a:t> démarrage sans écran - SSH</a:t>
+            </a:r>
+          </a:p>
+        </p:txBody>
+      </p:sp>
+      <p:sp>
+        <p:nvSpPr>
+          <p:cNvPr id="3" name="Espace réservé du contenu 2"/>
+          <p:cNvSpPr>
+            <a:spLocks noGrp="1"/>
+          </p:cNvSpPr>
+          <p:nvPr>
+            <p:ph idx="1"/>
+          </p:nvPr>
+        </p:nvSpPr>
+        <p:spPr/>
+        <p:txBody>
+          <a:bodyPr/>
+          <a:lstStyle/>
+          <a:p>
+            <a:r>
+              <a:rPr lang="fr-FR" dirty="0"/>
+              <a:t>Activer SSH</a:t>
+            </a:r>
+          </a:p>
+          <a:p>
+            <a:pPr lvl="1"/>
+            <a:r>
+              <a:rPr lang="fr-FR" dirty="0"/>
+              <a:t>Créer un fichier SSH vide à la racine de la partition boot de la carte</a:t>
+            </a:r>
+          </a:p>
+          <a:p>
+            <a:pPr lvl="1"/>
+            <a:r>
+              <a:rPr lang="fr-FR" dirty="0"/>
+              <a:t>Accéder via un client SSH</a:t>
+            </a:r>
+          </a:p>
+        </p:txBody>
+      </p:sp>
+    </p:spTree>
+    <p:extLst>
+      <p:ext uri="{BB962C8B-B14F-4D97-AF65-F5344CB8AC3E}">
+        <p14:creationId xmlns:p14="http://schemas.microsoft.com/office/powerpoint/2010/main" val="2974156415"/>
+      </p:ext>
+    </p:extLst>
+  </p:cSld>
+  <p:clrMapOvr>
+    <a:masterClrMapping/>
+  </p:clrMapOvr>
+</p:sld>
+</file>
+
+<file path=ppt/slides/slide15.xml><?xml version="1.0" encoding="utf-8"?>
+<p:sld xmlns:a="http://schemas.openxmlformats.org/drawingml/2006/main" xmlns:r="http://schemas.openxmlformats.org/officeDocument/2006/relationships" xmlns:p="http://schemas.openxmlformats.org/presentationml/2006/main">
+  <p:cSld>
+    <p:spTree>
+      <p:nvGrpSpPr>
+        <p:cNvPr id="1" name=""/>
+        <p:cNvGrpSpPr/>
+        <p:nvPr/>
+      </p:nvGrpSpPr>
+      <p:grpSpPr>
+        <a:xfrm>
+          <a:off x="0" y="0"/>
+          <a:ext cx="0" cy="0"/>
+          <a:chOff x="0" y="0"/>
+          <a:chExt cx="0" cy="0"/>
+        </a:xfrm>
+      </p:grpSpPr>
+      <p:sp>
+        <p:nvSpPr>
+          <p:cNvPr id="2" name="Titre 1"/>
+          <p:cNvSpPr>
+            <a:spLocks noGrp="1"/>
+          </p:cNvSpPr>
+          <p:nvPr>
+            <p:ph type="title"/>
+          </p:nvPr>
+        </p:nvSpPr>
+        <p:spPr/>
+        <p:txBody>
+          <a:bodyPr/>
+          <a:lstStyle/>
+          <a:p>
+            <a:r>
+              <a:rPr lang="fr-FR" dirty="0"/>
+              <a:t>SSH</a:t>
+            </a:r>
+          </a:p>
+        </p:txBody>
+      </p:sp>
+      <p:sp>
+        <p:nvSpPr>
+          <p:cNvPr id="3" name="Espace réservé du contenu 2"/>
+          <p:cNvSpPr>
+            <a:spLocks noGrp="1"/>
+          </p:cNvSpPr>
+          <p:nvPr>
+            <p:ph idx="1"/>
+          </p:nvPr>
+        </p:nvSpPr>
+        <p:spPr/>
+        <p:txBody>
+          <a:bodyPr/>
+          <a:lstStyle/>
+          <a:p>
+            <a:r>
+              <a:rPr lang="fr-FR" dirty="0"/>
+              <a:t>SSH (Secure Shell) est un protocole pour communiquer avec un </a:t>
+            </a:r>
+            <a:r>
+              <a:rPr lang="fr-FR" dirty="0" err="1"/>
+              <a:t>shell</a:t>
+            </a:r>
+            <a:r>
+              <a:rPr lang="fr-FR" dirty="0"/>
+              <a:t> distant</a:t>
+            </a:r>
+          </a:p>
+          <a:p>
+            <a:r>
+              <a:rPr lang="fr-FR" dirty="0"/>
+              <a:t>Nécessite d'être activé sur </a:t>
+            </a:r>
+            <a:r>
+              <a:rPr lang="fr-FR" dirty="0" err="1"/>
+              <a:t>Raspian</a:t>
+            </a:r>
+            <a:endParaRPr lang="fr-FR" dirty="0"/>
+          </a:p>
+          <a:p>
+            <a:r>
+              <a:rPr lang="fr-FR" dirty="0"/>
+              <a:t>Sur Windows nécessite l'installation de SSH</a:t>
+            </a:r>
+          </a:p>
+          <a:p>
+            <a:pPr lvl="1"/>
+            <a:r>
+              <a:rPr lang="fr-FR" dirty="0"/>
+              <a:t>Mode admin</a:t>
+            </a:r>
+          </a:p>
+          <a:p>
+            <a:pPr lvl="1"/>
+            <a:r>
+              <a:rPr lang="fr-FR" dirty="0"/>
+              <a:t>Si non admin installation de </a:t>
+            </a:r>
+            <a:r>
+              <a:rPr lang="fr-FR" dirty="0" err="1"/>
+              <a:t>PuTTY</a:t>
+            </a:r>
+            <a:endParaRPr lang="fr-FR" dirty="0"/>
+          </a:p>
+          <a:p>
+            <a:r>
+              <a:rPr lang="fr-FR" dirty="0"/>
+              <a:t>Connection</a:t>
+            </a:r>
+          </a:p>
+          <a:p>
+            <a:pPr lvl="1"/>
+            <a:r>
+              <a:rPr lang="fr-FR" dirty="0" err="1"/>
+              <a:t>ssh</a:t>
+            </a:r>
+            <a:r>
+              <a:rPr lang="fr-FR" dirty="0"/>
+              <a:t> pi@192.168.1.100 ou </a:t>
+            </a:r>
+            <a:r>
+              <a:rPr lang="fr-FR" dirty="0" err="1"/>
+              <a:t>ssh</a:t>
+            </a:r>
+            <a:r>
+              <a:rPr lang="fr-FR" dirty="0"/>
+              <a:t> </a:t>
+            </a:r>
+            <a:r>
+              <a:rPr lang="fr-FR" dirty="0" err="1"/>
+              <a:t>pi@raspberrypi</a:t>
+            </a:r>
+            <a:endParaRPr lang="fr-FR" dirty="0"/>
+          </a:p>
+        </p:txBody>
+      </p:sp>
+    </p:spTree>
+    <p:extLst>
+      <p:ext uri="{BB962C8B-B14F-4D97-AF65-F5344CB8AC3E}">
+        <p14:creationId xmlns:p14="http://schemas.microsoft.com/office/powerpoint/2010/main" val="3993581187"/>
+      </p:ext>
+    </p:extLst>
+  </p:cSld>
+  <p:clrMapOvr>
+    <a:masterClrMapping/>
+  </p:clrMapOvr>
+</p:sld>
+</file>
+
+<file path=ppt/slides/slide16.xml><?xml version="1.0" encoding="utf-8"?>
+<p:sld xmlns:a="http://schemas.openxmlformats.org/drawingml/2006/main" xmlns:r="http://schemas.openxmlformats.org/officeDocument/2006/relationships" xmlns:p="http://schemas.openxmlformats.org/presentationml/2006/main">
+  <p:cSld>
+    <p:spTree>
+      <p:nvGrpSpPr>
+        <p:cNvPr id="1" name=""/>
+        <p:cNvGrpSpPr/>
+        <p:nvPr/>
+      </p:nvGrpSpPr>
+      <p:grpSpPr>
+        <a:xfrm>
+          <a:off x="0" y="0"/>
+          <a:ext cx="0" cy="0"/>
+          <a:chOff x="0" y="0"/>
+          <a:chExt cx="0" cy="0"/>
+        </a:xfrm>
+      </p:grpSpPr>
+      <p:sp>
+        <p:nvSpPr>
+          <p:cNvPr id="2" name="Titre 1"/>
+          <p:cNvSpPr>
+            <a:spLocks noGrp="1"/>
+          </p:cNvSpPr>
+          <p:nvPr>
+            <p:ph type="title"/>
+          </p:nvPr>
+        </p:nvSpPr>
+        <p:spPr/>
+        <p:txBody>
+          <a:bodyPr/>
+          <a:lstStyle/>
+          <a:p>
+            <a:r>
+              <a:rPr lang="fr-FR" dirty="0"/>
+              <a:t>1</a:t>
+            </a:r>
+            <a:r>
+              <a:rPr lang="fr-FR" baseline="30000" dirty="0"/>
+              <a:t>er</a:t>
+            </a:r>
+            <a:r>
+              <a:rPr lang="fr-FR" dirty="0"/>
+              <a:t> SSH</a:t>
+            </a:r>
+          </a:p>
+        </p:txBody>
+      </p:sp>
+      <p:sp>
+        <p:nvSpPr>
+          <p:cNvPr id="3" name="Espace réservé du contenu 2"/>
+          <p:cNvSpPr>
+            <a:spLocks noGrp="1"/>
+          </p:cNvSpPr>
+          <p:nvPr>
+            <p:ph idx="1"/>
+          </p:nvPr>
+        </p:nvSpPr>
+        <p:spPr/>
+        <p:txBody>
+          <a:bodyPr/>
+          <a:lstStyle/>
+          <a:p>
+            <a:r>
+              <a:rPr lang="fr-FR" dirty="0"/>
+              <a:t>Les 2 premières commande a effectuer sont</a:t>
+            </a:r>
+          </a:p>
+          <a:p>
+            <a:pPr lvl="1"/>
+            <a:r>
+              <a:rPr lang="fr-FR" dirty="0" err="1"/>
               <a:t>sudo</a:t>
             </a:r>
             <a:r>
-              <a:rPr lang="fr-FR" dirty="0" smtClean="0"/>
+              <a:rPr lang="fr-FR" dirty="0"/>
               <a:t> </a:t>
             </a:r>
             <a:r>
@@ -4328,6 +4757,183 @@
             </a:r>
             <a:r>
               <a:rPr lang="fr-FR" dirty="0"/>
+              <a:t> update</a:t>
+            </a:r>
+          </a:p>
+          <a:p>
+            <a:pPr lvl="1"/>
+            <a:r>
+              <a:rPr lang="fr-FR" dirty="0" err="1"/>
+              <a:t>sudo</a:t>
+            </a:r>
+            <a:r>
+              <a:rPr lang="fr-FR" dirty="0"/>
+              <a:t> </a:t>
+            </a:r>
+            <a:r>
+              <a:rPr lang="fr-FR" dirty="0" err="1"/>
+              <a:t>apt-get</a:t>
+            </a:r>
+            <a:r>
+              <a:rPr lang="fr-FR" dirty="0"/>
+              <a:t> upgrade</a:t>
+            </a:r>
+          </a:p>
+          <a:p>
+            <a:r>
+              <a:rPr lang="fr-FR" dirty="0" err="1"/>
+              <a:t>Sudo</a:t>
+            </a:r>
+            <a:endParaRPr lang="fr-FR" dirty="0"/>
+          </a:p>
+          <a:p>
+            <a:pPr lvl="1"/>
+            <a:r>
+              <a:rPr lang="fr-FR" dirty="0"/>
+              <a:t>Super user do</a:t>
+            </a:r>
+          </a:p>
+          <a:p>
+            <a:pPr lvl="1"/>
+            <a:r>
+              <a:rPr lang="fr-FR" dirty="0"/>
+              <a:t>Droit admin</a:t>
+            </a:r>
+          </a:p>
+          <a:p>
+            <a:r>
+              <a:rPr lang="fr-FR" dirty="0" err="1"/>
+              <a:t>apt-get</a:t>
+            </a:r>
+            <a:endParaRPr lang="fr-FR" dirty="0"/>
+          </a:p>
+          <a:p>
+            <a:pPr lvl="1"/>
+            <a:r>
+              <a:rPr lang="fr-FR" dirty="0"/>
+              <a:t>Utilitaire Debian d'installation</a:t>
+            </a:r>
+          </a:p>
+          <a:p>
+            <a:r>
+              <a:rPr lang="fr-FR" dirty="0"/>
+              <a:t>update et upgrade</a:t>
+            </a:r>
+          </a:p>
+          <a:p>
+            <a:pPr lvl="1"/>
+            <a:r>
+              <a:rPr lang="fr-FR" dirty="0"/>
+              <a:t>Met le système à jour</a:t>
+            </a:r>
+          </a:p>
+          <a:p>
+            <a:endParaRPr lang="fr-FR" dirty="0"/>
+          </a:p>
+        </p:txBody>
+      </p:sp>
+    </p:spTree>
+    <p:extLst>
+      <p:ext uri="{BB962C8B-B14F-4D97-AF65-F5344CB8AC3E}">
+        <p14:creationId xmlns:p14="http://schemas.microsoft.com/office/powerpoint/2010/main" val="3868300533"/>
+      </p:ext>
+    </p:extLst>
+  </p:cSld>
+  <p:clrMapOvr>
+    <a:masterClrMapping/>
+  </p:clrMapOvr>
+</p:sld>
+</file>
+
+<file path=ppt/slides/slide17.xml><?xml version="1.0" encoding="utf-8"?>
+<p:sld xmlns:a="http://schemas.openxmlformats.org/drawingml/2006/main" xmlns:r="http://schemas.openxmlformats.org/officeDocument/2006/relationships" xmlns:p="http://schemas.openxmlformats.org/presentationml/2006/main">
+  <p:cSld>
+    <p:spTree>
+      <p:nvGrpSpPr>
+        <p:cNvPr id="1" name=""/>
+        <p:cNvGrpSpPr/>
+        <p:nvPr/>
+      </p:nvGrpSpPr>
+      <p:grpSpPr>
+        <a:xfrm>
+          <a:off x="0" y="0"/>
+          <a:ext cx="0" cy="0"/>
+          <a:chOff x="0" y="0"/>
+          <a:chExt cx="0" cy="0"/>
+        </a:xfrm>
+      </p:grpSpPr>
+      <p:sp>
+        <p:nvSpPr>
+          <p:cNvPr id="2" name="Titre 1"/>
+          <p:cNvSpPr>
+            <a:spLocks noGrp="1"/>
+          </p:cNvSpPr>
+          <p:nvPr>
+            <p:ph type="title"/>
+          </p:nvPr>
+        </p:nvSpPr>
+        <p:spPr/>
+        <p:txBody>
+          <a:bodyPr/>
+          <a:lstStyle/>
+          <a:p>
+            <a:r>
+              <a:rPr lang="fr-FR" dirty="0"/>
+              <a:t>VNC</a:t>
+            </a:r>
+          </a:p>
+        </p:txBody>
+      </p:sp>
+      <p:sp>
+        <p:nvSpPr>
+          <p:cNvPr id="3" name="Espace réservé du contenu 2"/>
+          <p:cNvSpPr>
+            <a:spLocks noGrp="1"/>
+          </p:cNvSpPr>
+          <p:nvPr>
+            <p:ph idx="1"/>
+          </p:nvPr>
+        </p:nvSpPr>
+        <p:spPr/>
+        <p:txBody>
+          <a:bodyPr/>
+          <a:lstStyle/>
+          <a:p>
+            <a:r>
+              <a:rPr lang="fr-FR" dirty="0"/>
+              <a:t>VNC et </a:t>
+            </a:r>
+            <a:r>
+              <a:rPr lang="fr-FR" dirty="0" err="1"/>
+              <a:t>Remote</a:t>
+            </a:r>
+            <a:r>
+              <a:rPr lang="fr-FR" dirty="0"/>
+              <a:t> Desktop sont des outils d'accès distant accessible depuis Windows</a:t>
+            </a:r>
+          </a:p>
+          <a:p>
+            <a:r>
+              <a:rPr lang="fr-FR" dirty="0"/>
+              <a:t>Pour les installer</a:t>
+            </a:r>
+          </a:p>
+          <a:p>
+            <a:pPr lvl="1"/>
+            <a:r>
+              <a:rPr lang="fr-FR" dirty="0" err="1"/>
+              <a:t>sudo</a:t>
+            </a:r>
+            <a:r>
+              <a:rPr lang="fr-FR" dirty="0"/>
+              <a:t> </a:t>
+            </a:r>
+            <a:r>
+              <a:rPr lang="fr-FR" dirty="0" err="1"/>
+              <a:t>apt-get</a:t>
+            </a:r>
+            <a:r>
+              <a:rPr lang="fr-FR" dirty="0"/>
               <a:t> </a:t>
             </a:r>
             <a:r>
@@ -4347,11 +4953,11 @@
           <a:p>
             <a:pPr lvl="1"/>
             <a:r>
-              <a:rPr lang="fr-FR" dirty="0" err="1" smtClean="0"/>
+              <a:rPr lang="fr-FR" dirty="0" err="1"/>
               <a:t>sudo</a:t>
             </a:r>
             <a:r>
-              <a:rPr lang="fr-FR" dirty="0" smtClean="0"/>
+              <a:rPr lang="fr-FR" dirty="0"/>
               <a:t> </a:t>
             </a:r>
             <a:r>
@@ -4436,17 +5042,10 @@
   <p:clrMapOvr>
     <a:masterClrMapping/>
   </p:clrMapOvr>
-  <p:timing>
-    <p:tnLst>
-      <p:par>
-        <p:cTn id="1" dur="indefinite" restart="never" nodeType="tmRoot"/>
-      </p:par>
-    </p:tnLst>
-  </p:timing>
 </p:sld>
 </file>
 
-<file path=ppt/slides/slide14.xml><?xml version="1.0" encoding="utf-8"?>
+<file path=ppt/slides/slide18.xml><?xml version="1.0" encoding="utf-8"?>
 <p:sld xmlns:a="http://schemas.openxmlformats.org/drawingml/2006/main" xmlns:r="http://schemas.openxmlformats.org/officeDocument/2006/relationships" xmlns:p="http://schemas.openxmlformats.org/presentationml/2006/main">
   <p:cSld>
     <p:spTree>
@@ -4479,10 +5078,9 @@
           <a:lstStyle/>
           <a:p>
             <a:r>
-              <a:rPr lang="fr-FR" dirty="0" smtClean="0"/>
+              <a:rPr lang="fr-FR" dirty="0"/>
               <a:t>Samba</a:t>
             </a:r>
-            <a:endParaRPr lang="fr-FR" dirty="0"/>
           </a:p>
         </p:txBody>
       </p:sp>
@@ -4502,13 +5100,13 @@
           <a:lstStyle/>
           <a:p>
             <a:r>
-              <a:rPr lang="fr-FR" dirty="0" smtClean="0"/>
+              <a:rPr lang="fr-FR" dirty="0"/>
               <a:t>Samba est un protocole pour partager des disques durs et le DNS entre Windows et Linux</a:t>
             </a:r>
           </a:p>
           <a:p>
             <a:r>
-              <a:rPr lang="fr-FR" dirty="0" smtClean="0"/>
+              <a:rPr lang="fr-FR" dirty="0"/>
               <a:t>Pour l'installer</a:t>
             </a:r>
           </a:p>
@@ -4520,88 +5118,80 @@
             </a:r>
             <a:r>
               <a:rPr lang="en-US" dirty="0"/>
-              <a:t> apt-get install -y samba </a:t>
-            </a:r>
-            <a:r>
-              <a:rPr lang="en-US" dirty="0" smtClean="0"/>
-              <a:t>samba-common-bin</a:t>
+              <a:t> apt-get install -y samba samba-common-bin</a:t>
             </a:r>
           </a:p>
           <a:p>
             <a:pPr lvl="1"/>
             <a:r>
-              <a:rPr lang="fr-FR" dirty="0" err="1" smtClean="0"/>
+              <a:rPr lang="fr-FR" dirty="0" err="1"/>
               <a:t>sudo</a:t>
             </a:r>
             <a:r>
-              <a:rPr lang="fr-FR" dirty="0" smtClean="0"/>
+              <a:rPr lang="fr-FR" dirty="0"/>
               <a:t> nano /</a:t>
             </a:r>
             <a:r>
-              <a:rPr lang="fr-FR" dirty="0" err="1" smtClean="0"/>
+              <a:rPr lang="fr-FR" dirty="0" err="1"/>
               <a:t>etc</a:t>
             </a:r>
             <a:r>
-              <a:rPr lang="fr-FR" dirty="0" smtClean="0"/>
+              <a:rPr lang="fr-FR" dirty="0"/>
               <a:t>/samba/</a:t>
             </a:r>
             <a:r>
-              <a:rPr lang="fr-FR" dirty="0" err="1" smtClean="0"/>
+              <a:rPr lang="fr-FR" dirty="0" err="1"/>
               <a:t>smb.conf</a:t>
             </a:r>
-            <a:endParaRPr lang="fr-FR" dirty="0" smtClean="0"/>
+            <a:endParaRPr lang="fr-FR" dirty="0"/>
           </a:p>
           <a:p>
             <a:pPr lvl="1"/>
             <a:r>
-              <a:rPr lang="fr-FR" dirty="0" smtClean="0"/>
+              <a:rPr lang="fr-FR" dirty="0"/>
               <a:t>nano est un mini éditeur de texte</a:t>
             </a:r>
           </a:p>
           <a:p>
             <a:pPr lvl="1"/>
             <a:r>
-              <a:rPr lang="fr-FR" dirty="0" smtClean="0"/>
+              <a:rPr lang="fr-FR" dirty="0"/>
               <a:t>Ajouter à la fin du fichier la dernière section du fichier config/</a:t>
             </a:r>
             <a:r>
-              <a:rPr lang="fr-FR" dirty="0" err="1" smtClean="0"/>
+              <a:rPr lang="fr-FR" dirty="0" err="1"/>
               <a:t>smb.conf</a:t>
             </a:r>
-            <a:endParaRPr lang="fr-FR" dirty="0" smtClean="0"/>
+            <a:endParaRPr lang="fr-FR" dirty="0"/>
           </a:p>
           <a:p>
             <a:pPr lvl="1"/>
             <a:r>
-              <a:rPr lang="fr-FR" smtClean="0"/>
-              <a:t>chmod </a:t>
-            </a:r>
-            <a:r>
-              <a:rPr lang="fr-FR" smtClean="0"/>
-              <a:t>pi </a:t>
-            </a:r>
-            <a:r>
-              <a:rPr lang="fr-FR" dirty="0" smtClean="0"/>
+              <a:rPr lang="fr-FR"/>
+              <a:t>chmod pi </a:t>
+            </a:r>
+            <a:r>
+              <a:rPr lang="fr-FR" dirty="0"/>
               <a:t>777</a:t>
             </a:r>
           </a:p>
           <a:p>
             <a:r>
-              <a:rPr lang="fr-FR" dirty="0" smtClean="0"/>
+              <a:rPr lang="fr-FR" dirty="0"/>
               <a:t>Après reboot le </a:t>
             </a:r>
             <a:r>
-              <a:rPr lang="fr-FR" dirty="0" err="1" smtClean="0"/>
+              <a:rPr lang="fr-FR" dirty="0" err="1"/>
               <a:t>Raspberry</a:t>
             </a:r>
             <a:r>
-              <a:rPr lang="fr-FR" dirty="0" smtClean="0"/>
+              <a:rPr lang="fr-FR" dirty="0"/>
               <a:t> est accessible par partage de fichier \\raspberrypi</a:t>
             </a:r>
           </a:p>
           <a:p>
             <a:pPr lvl="1"/>
-            <a:endParaRPr lang="fr-FR" dirty="0" smtClean="0"/>
+            <a:endParaRPr lang="fr-FR" dirty="0"/>
           </a:p>
           <a:p>
             <a:endParaRPr lang="fr-FR" dirty="0"/>
@@ -4618,13 +5208,6 @@
   <p:clrMapOvr>
     <a:masterClrMapping/>
   </p:clrMapOvr>
-  <p:timing>
-    <p:tnLst>
-      <p:par>
-        <p:cTn id="1" dur="indefinite" restart="never" nodeType="tmRoot"/>
-      </p:par>
-    </p:tnLst>
-  </p:timing>
 </p:sld>
 </file>
 
@@ -4661,7 +5244,7 @@
           <a:lstStyle/>
           <a:p>
             <a:r>
-              <a:rPr lang="fr-FR" dirty="0" err="1" smtClean="0"/>
+              <a:rPr lang="fr-FR" dirty="0" err="1"/>
               <a:t>Raspian</a:t>
             </a:r>
             <a:endParaRPr lang="fr-FR" dirty="0"/>
@@ -4684,57 +5267,57 @@
           <a:lstStyle/>
           <a:p>
             <a:r>
-              <a:rPr lang="fr-FR" dirty="0" err="1" smtClean="0"/>
+              <a:rPr lang="fr-FR" dirty="0" err="1"/>
               <a:t>Raspberry</a:t>
             </a:r>
             <a:r>
-              <a:rPr lang="fr-FR" dirty="0" smtClean="0"/>
+              <a:rPr lang="fr-FR" dirty="0"/>
               <a:t> Pi nécessite un OS pour fonctionner</a:t>
             </a:r>
           </a:p>
           <a:p>
             <a:r>
-              <a:rPr lang="fr-FR" dirty="0" err="1" smtClean="0"/>
+              <a:rPr lang="fr-FR" dirty="0" err="1"/>
               <a:t>Raspian</a:t>
             </a:r>
             <a:r>
-              <a:rPr lang="fr-FR" dirty="0" smtClean="0"/>
+              <a:rPr lang="fr-FR" dirty="0"/>
               <a:t> est un Linux dérivé de Debian</a:t>
             </a:r>
           </a:p>
           <a:p>
             <a:r>
-              <a:rPr lang="fr-FR" dirty="0" smtClean="0"/>
+              <a:rPr lang="fr-FR" dirty="0"/>
               <a:t>Possède l'interface graphique LX</a:t>
             </a:r>
           </a:p>
           <a:p>
             <a:pPr lvl="1"/>
             <a:r>
-              <a:rPr lang="fr-FR" dirty="0" smtClean="0"/>
+              <a:rPr lang="fr-FR" dirty="0"/>
               <a:t>Très faible empreinte mémoire</a:t>
             </a:r>
           </a:p>
           <a:p>
             <a:r>
-              <a:rPr lang="fr-FR" dirty="0" smtClean="0"/>
+              <a:rPr lang="fr-FR" dirty="0"/>
               <a:t>Une alternative est </a:t>
             </a:r>
             <a:r>
-              <a:rPr lang="fr-FR" dirty="0" err="1" smtClean="0"/>
+              <a:rPr lang="fr-FR" dirty="0" err="1"/>
               <a:t>Noobs</a:t>
             </a:r>
-            <a:endParaRPr lang="fr-FR" dirty="0" smtClean="0"/>
+            <a:endParaRPr lang="fr-FR" dirty="0"/>
           </a:p>
           <a:p>
             <a:pPr lvl="1"/>
             <a:r>
-              <a:rPr lang="fr-FR" dirty="0" smtClean="0"/>
+              <a:rPr lang="fr-FR" dirty="0"/>
               <a:t>N'est pas fait pour une utilisation professionnelle</a:t>
             </a:r>
           </a:p>
           <a:p>
-            <a:endParaRPr lang="fr-FR" dirty="0" smtClean="0"/>
+            <a:endParaRPr lang="fr-FR" dirty="0"/>
           </a:p>
           <a:p>
             <a:endParaRPr lang="fr-FR" dirty="0"/>
@@ -4751,13 +5334,6 @@
   <p:clrMapOvr>
     <a:masterClrMapping/>
   </p:clrMapOvr>
-  <p:timing>
-    <p:tnLst>
-      <p:par>
-        <p:cTn id="1" dur="indefinite" restart="never" nodeType="tmRoot"/>
-      </p:par>
-    </p:tnLst>
-  </p:timing>
 </p:sld>
 </file>
 
@@ -4794,10 +5370,9 @@
           <a:lstStyle/>
           <a:p>
             <a:r>
-              <a:rPr lang="fr-FR" dirty="0" smtClean="0"/>
+              <a:rPr lang="fr-FR" dirty="0"/>
               <a:t>Installation</a:t>
             </a:r>
-            <a:endParaRPr lang="fr-FR" dirty="0"/>
           </a:p>
         </p:txBody>
       </p:sp>
@@ -4817,22 +5392,21 @@
           <a:lstStyle/>
           <a:p>
             <a:r>
-              <a:rPr lang="fr-FR" dirty="0" smtClean="0"/>
+              <a:rPr lang="fr-FR" dirty="0"/>
               <a:t>Il faut télécharger l'image</a:t>
             </a:r>
           </a:p>
           <a:p>
             <a:r>
-              <a:rPr lang="fr-FR" dirty="0" smtClean="0"/>
+              <a:rPr lang="fr-FR" dirty="0"/>
               <a:t>Formater une carte SD</a:t>
             </a:r>
           </a:p>
           <a:p>
             <a:r>
-              <a:rPr lang="fr-FR" dirty="0" smtClean="0"/>
+              <a:rPr lang="fr-FR" dirty="0"/>
               <a:t>Transférer l'image sur la carte</a:t>
             </a:r>
-            <a:endParaRPr lang="fr-FR" dirty="0"/>
           </a:p>
         </p:txBody>
       </p:sp>
@@ -4912,13 +5486,6 @@
   <p:clrMapOvr>
     <a:masterClrMapping/>
   </p:clrMapOvr>
-  <p:timing>
-    <p:tnLst>
-      <p:par>
-        <p:cTn id="1" dur="indefinite" restart="never" nodeType="tmRoot"/>
-      </p:par>
-    </p:tnLst>
-  </p:timing>
 </p:sld>
 </file>
 
@@ -4955,18 +5522,17 @@
           <a:lstStyle/>
           <a:p>
             <a:r>
-              <a:rPr lang="fr-FR" dirty="0" smtClean="0"/>
+              <a:rPr lang="fr-FR" dirty="0"/>
               <a:t>1</a:t>
             </a:r>
             <a:r>
-              <a:rPr lang="fr-FR" baseline="30000" dirty="0" smtClean="0"/>
+              <a:rPr lang="fr-FR" baseline="30000" dirty="0"/>
               <a:t>er</a:t>
             </a:r>
             <a:r>
-              <a:rPr lang="fr-FR" dirty="0" smtClean="0"/>
+              <a:rPr lang="fr-FR" dirty="0"/>
               <a:t> démarrage</a:t>
             </a:r>
-            <a:endParaRPr lang="fr-FR" dirty="0"/>
           </a:p>
         </p:txBody>
       </p:sp>
@@ -5021,13 +5587,6 @@
   <p:clrMapOvr>
     <a:masterClrMapping/>
   </p:clrMapOvr>
-  <p:timing>
-    <p:tnLst>
-      <p:par>
-        <p:cTn id="1" dur="indefinite" restart="never" nodeType="tmRoot"/>
-      </p:par>
-    </p:tnLst>
-  </p:timing>
 </p:sld>
 </file>
 
@@ -5064,18 +5623,17 @@
           <a:lstStyle/>
           <a:p>
             <a:r>
-              <a:rPr lang="fr-FR" dirty="0" smtClean="0"/>
+              <a:rPr lang="fr-FR" dirty="0"/>
               <a:t>1</a:t>
             </a:r>
             <a:r>
-              <a:rPr lang="fr-FR" baseline="30000" dirty="0" smtClean="0"/>
+              <a:rPr lang="fr-FR" baseline="30000" dirty="0"/>
               <a:t>er</a:t>
             </a:r>
             <a:r>
-              <a:rPr lang="fr-FR" dirty="0" smtClean="0"/>
+              <a:rPr lang="fr-FR" dirty="0"/>
               <a:t> démarrage</a:t>
             </a:r>
-            <a:endParaRPr lang="fr-FR" dirty="0"/>
           </a:p>
         </p:txBody>
       </p:sp>
@@ -5095,42 +5653,42 @@
           <a:lstStyle/>
           <a:p>
             <a:r>
-              <a:rPr lang="fr-FR" dirty="0" err="1" smtClean="0"/>
+              <a:rPr lang="fr-FR" dirty="0" err="1"/>
               <a:t>Démarage</a:t>
             </a:r>
             <a:r>
-              <a:rPr lang="fr-FR" dirty="0" smtClean="0"/>
+              <a:rPr lang="fr-FR" dirty="0"/>
               <a:t> en mode graphique</a:t>
             </a:r>
           </a:p>
           <a:p>
             <a:pPr lvl="1"/>
             <a:r>
-              <a:rPr lang="fr-FR" dirty="0" smtClean="0"/>
+              <a:rPr lang="fr-FR" dirty="0"/>
               <a:t>Nécessite un clavier, une souris et un écran</a:t>
             </a:r>
           </a:p>
           <a:p>
             <a:r>
-              <a:rPr lang="fr-FR" dirty="0" smtClean="0"/>
+              <a:rPr lang="fr-FR" dirty="0"/>
               <a:t>Configuration initiale</a:t>
             </a:r>
           </a:p>
           <a:p>
             <a:pPr lvl="1"/>
             <a:r>
-              <a:rPr lang="fr-FR" dirty="0" err="1" smtClean="0"/>
+              <a:rPr lang="fr-FR" dirty="0" err="1"/>
               <a:t>raspi</a:t>
             </a:r>
             <a:r>
-              <a:rPr lang="fr-FR" dirty="0" smtClean="0"/>
+              <a:rPr lang="fr-FR" dirty="0"/>
               <a:t>-config</a:t>
             </a:r>
           </a:p>
           <a:p>
             <a:pPr lvl="1"/>
             <a:r>
-              <a:rPr lang="fr-FR" dirty="0" smtClean="0"/>
+              <a:rPr lang="fr-FR" dirty="0"/>
               <a:t>Permet de se connecter au réseau, de choisir un nom un mot de passe, un mode de démarrage, une langue et un clavier</a:t>
             </a:r>
           </a:p>
@@ -5146,13 +5704,6 @@
   <p:clrMapOvr>
     <a:masterClrMapping/>
   </p:clrMapOvr>
-  <p:timing>
-    <p:tnLst>
-      <p:par>
-        <p:cTn id="1" dur="indefinite" restart="never" nodeType="tmRoot"/>
-      </p:par>
-    </p:tnLst>
-  </p:timing>
 </p:sld>
 </file>
 
@@ -5189,10 +5740,9 @@
           <a:lstStyle/>
           <a:p>
             <a:r>
-              <a:rPr lang="fr-FR" dirty="0" smtClean="0"/>
+              <a:rPr lang="fr-FR" dirty="0"/>
               <a:t>LX</a:t>
             </a:r>
-            <a:endParaRPr lang="fr-FR" dirty="0"/>
           </a:p>
         </p:txBody>
       </p:sp>
@@ -5212,25 +5762,25 @@
           <a:lstStyle/>
           <a:p>
             <a:r>
-              <a:rPr lang="fr-FR" dirty="0" smtClean="0"/>
+              <a:rPr lang="fr-FR" dirty="0"/>
               <a:t>LX est une interface graphique légère basé sur Gnome</a:t>
             </a:r>
           </a:p>
           <a:p>
             <a:pPr lvl="1"/>
             <a:r>
-              <a:rPr lang="fr-FR" dirty="0" smtClean="0"/>
+              <a:rPr lang="fr-FR" dirty="0"/>
               <a:t>Utilisable sur Pi 3 et 4</a:t>
             </a:r>
           </a:p>
           <a:p>
             <a:pPr lvl="1"/>
             <a:r>
-              <a:rPr lang="fr-FR" dirty="0" smtClean="0"/>
+              <a:rPr lang="fr-FR" dirty="0"/>
               <a:t>Peu utilisable sur Pi </a:t>
             </a:r>
             <a:r>
-              <a:rPr lang="fr-FR" dirty="0" err="1" smtClean="0"/>
+              <a:rPr lang="fr-FR" dirty="0" err="1"/>
               <a:t>Zero</a:t>
             </a:r>
             <a:endParaRPr lang="fr-FR" dirty="0"/>
@@ -5291,13 +5841,6 @@
   <p:clrMapOvr>
     <a:masterClrMapping/>
   </p:clrMapOvr>
-  <p:timing>
-    <p:tnLst>
-      <p:par>
-        <p:cTn id="1" dur="indefinite" restart="never" nodeType="tmRoot"/>
-      </p:par>
-    </p:tnLst>
-  </p:timing>
 </p:sld>
 </file>
 
@@ -5334,18 +5877,9 @@
           <a:lstStyle/>
           <a:p>
             <a:r>
-              <a:rPr lang="fr-FR" dirty="0" smtClean="0"/>
-              <a:t>1</a:t>
-            </a:r>
-            <a:r>
-              <a:rPr lang="fr-FR" baseline="30000" dirty="0" smtClean="0"/>
-              <a:t>er</a:t>
-            </a:r>
-            <a:r>
-              <a:rPr lang="fr-FR" dirty="0" smtClean="0"/>
-              <a:t> démarrage sans écran</a:t>
-            </a:r>
-            <a:endParaRPr lang="fr-FR" dirty="0"/>
+              <a:rPr lang="fr-FR" dirty="0"/>
+              <a:t>Le terminal</a:t>
+            </a:r>
           </a:p>
         </p:txBody>
       </p:sp>
@@ -5365,361 +5899,15 @@
           <a:lstStyle/>
           <a:p>
             <a:r>
-              <a:rPr lang="fr-FR" dirty="0" smtClean="0"/>
-              <a:t>Activer SSH</a:t>
-            </a:r>
-          </a:p>
-          <a:p>
-            <a:pPr lvl="1"/>
-            <a:r>
-              <a:rPr lang="fr-FR" dirty="0" smtClean="0"/>
-              <a:t>Créer un fichier vide à la racine de la partition boot de la carte</a:t>
-            </a:r>
-          </a:p>
-          <a:p>
-            <a:r>
-              <a:rPr lang="fr-FR" dirty="0" smtClean="0"/>
-              <a:t>Activer le Wifi</a:t>
-            </a:r>
-          </a:p>
-          <a:p>
-            <a:pPr lvl="1"/>
-            <a:r>
-              <a:rPr lang="fr-FR" dirty="0" smtClean="0"/>
-              <a:t>Créer un fichier </a:t>
-            </a:r>
-            <a:r>
-              <a:rPr lang="fr-FR" dirty="0" err="1" smtClean="0"/>
-              <a:t>wpa_supplicant.conf</a:t>
-            </a:r>
-            <a:r>
-              <a:rPr lang="fr-FR" dirty="0" smtClean="0"/>
-              <a:t> à la racine de la partition boot, puis scanner le réseau avec scanips.py</a:t>
-            </a:r>
-          </a:p>
-          <a:p>
-            <a:pPr marL="457200" lvl="1" indent="0">
-              <a:buNone/>
-            </a:pPr>
-            <a:r>
-              <a:rPr lang="fr-FR" sz="1400" dirty="0" err="1">
-                <a:latin typeface="Courier New" panose="02070309020205020404" pitchFamily="49" charset="0"/>
-                <a:cs typeface="Courier New" panose="02070309020205020404" pitchFamily="49" charset="0"/>
-              </a:rPr>
-              <a:t>ctrl_interface</a:t>
-            </a:r>
-            <a:r>
-              <a:rPr lang="fr-FR" sz="1400" dirty="0">
-                <a:latin typeface="Courier New" panose="02070309020205020404" pitchFamily="49" charset="0"/>
-                <a:cs typeface="Courier New" panose="02070309020205020404" pitchFamily="49" charset="0"/>
-              </a:rPr>
-              <a:t>=DIR=/var/</a:t>
-            </a:r>
-            <a:r>
-              <a:rPr lang="fr-FR" sz="1400" dirty="0" err="1">
-                <a:latin typeface="Courier New" panose="02070309020205020404" pitchFamily="49" charset="0"/>
-                <a:cs typeface="Courier New" panose="02070309020205020404" pitchFamily="49" charset="0"/>
-              </a:rPr>
-              <a:t>run</a:t>
-            </a:r>
-            <a:r>
-              <a:rPr lang="fr-FR" sz="1400" dirty="0">
-                <a:latin typeface="Courier New" panose="02070309020205020404" pitchFamily="49" charset="0"/>
-                <a:cs typeface="Courier New" panose="02070309020205020404" pitchFamily="49" charset="0"/>
-              </a:rPr>
-              <a:t>/</a:t>
-            </a:r>
-            <a:r>
-              <a:rPr lang="fr-FR" sz="1400" dirty="0" err="1">
-                <a:latin typeface="Courier New" panose="02070309020205020404" pitchFamily="49" charset="0"/>
-                <a:cs typeface="Courier New" panose="02070309020205020404" pitchFamily="49" charset="0"/>
-              </a:rPr>
-              <a:t>wpa_supplicant</a:t>
-            </a:r>
-            <a:r>
-              <a:rPr lang="fr-FR" sz="1400" dirty="0">
-                <a:latin typeface="Courier New" panose="02070309020205020404" pitchFamily="49" charset="0"/>
-                <a:cs typeface="Courier New" panose="02070309020205020404" pitchFamily="49" charset="0"/>
-              </a:rPr>
-              <a:t> GROUP=</a:t>
-            </a:r>
-            <a:r>
-              <a:rPr lang="fr-FR" sz="1400" dirty="0" err="1">
-                <a:latin typeface="Courier New" panose="02070309020205020404" pitchFamily="49" charset="0"/>
-                <a:cs typeface="Courier New" panose="02070309020205020404" pitchFamily="49" charset="0"/>
-              </a:rPr>
-              <a:t>netdev</a:t>
-            </a:r>
-            <a:endParaRPr lang="fr-FR" sz="1400" dirty="0">
-              <a:latin typeface="Courier New" panose="02070309020205020404" pitchFamily="49" charset="0"/>
-              <a:cs typeface="Courier New" panose="02070309020205020404" pitchFamily="49" charset="0"/>
-            </a:endParaRPr>
-          </a:p>
-          <a:p>
-            <a:pPr marL="457200" lvl="1" indent="0">
-              <a:buNone/>
-            </a:pPr>
-            <a:r>
-              <a:rPr lang="fr-FR" sz="1400" dirty="0" err="1">
-                <a:latin typeface="Courier New" panose="02070309020205020404" pitchFamily="49" charset="0"/>
-                <a:cs typeface="Courier New" panose="02070309020205020404" pitchFamily="49" charset="0"/>
-              </a:rPr>
-              <a:t>update_config</a:t>
-            </a:r>
-            <a:r>
-              <a:rPr lang="fr-FR" sz="1400" dirty="0">
-                <a:latin typeface="Courier New" panose="02070309020205020404" pitchFamily="49" charset="0"/>
-                <a:cs typeface="Courier New" panose="02070309020205020404" pitchFamily="49" charset="0"/>
-              </a:rPr>
-              <a:t>=1</a:t>
-            </a:r>
-          </a:p>
-          <a:p>
-            <a:pPr marL="457200" lvl="1" indent="0">
-              <a:buNone/>
-            </a:pPr>
-            <a:r>
-              <a:rPr lang="fr-FR" sz="1400" dirty="0">
-                <a:latin typeface="Courier New" panose="02070309020205020404" pitchFamily="49" charset="0"/>
-                <a:cs typeface="Courier New" panose="02070309020205020404" pitchFamily="49" charset="0"/>
-              </a:rPr>
-              <a:t>country=FR</a:t>
-            </a:r>
-          </a:p>
-          <a:p>
-            <a:pPr marL="457200" lvl="1" indent="0">
-              <a:buNone/>
-            </a:pPr>
-            <a:endParaRPr lang="fr-FR" sz="1400" dirty="0">
-              <a:latin typeface="Courier New" panose="02070309020205020404" pitchFamily="49" charset="0"/>
-              <a:cs typeface="Courier New" panose="02070309020205020404" pitchFamily="49" charset="0"/>
-            </a:endParaRPr>
-          </a:p>
-          <a:p>
-            <a:pPr marL="457200" lvl="1" indent="0">
-              <a:buNone/>
-            </a:pPr>
-            <a:r>
-              <a:rPr lang="fr-FR" sz="1400" dirty="0">
-                <a:latin typeface="Courier New" panose="02070309020205020404" pitchFamily="49" charset="0"/>
-                <a:cs typeface="Courier New" panose="02070309020205020404" pitchFamily="49" charset="0"/>
-              </a:rPr>
-              <a:t>network={</a:t>
-            </a:r>
-          </a:p>
-          <a:p>
-            <a:pPr marL="457200" lvl="1" indent="0">
-              <a:buNone/>
-            </a:pPr>
-            <a:r>
-              <a:rPr lang="fr-FR" sz="1400" dirty="0">
-                <a:latin typeface="Courier New" panose="02070309020205020404" pitchFamily="49" charset="0"/>
-                <a:cs typeface="Courier New" panose="02070309020205020404" pitchFamily="49" charset="0"/>
-              </a:rPr>
-              <a:t>	</a:t>
-            </a:r>
-            <a:r>
-              <a:rPr lang="fr-FR" sz="1400" dirty="0" err="1">
-                <a:latin typeface="Courier New" panose="02070309020205020404" pitchFamily="49" charset="0"/>
-                <a:cs typeface="Courier New" panose="02070309020205020404" pitchFamily="49" charset="0"/>
-              </a:rPr>
-              <a:t>ssid</a:t>
-            </a:r>
-            <a:r>
-              <a:rPr lang="fr-FR" sz="1400" dirty="0" smtClean="0">
-                <a:latin typeface="Courier New" panose="02070309020205020404" pitchFamily="49" charset="0"/>
-                <a:cs typeface="Courier New" panose="02070309020205020404" pitchFamily="49" charset="0"/>
-              </a:rPr>
-              <a:t>="</a:t>
-            </a:r>
-            <a:r>
-              <a:rPr lang="fr-FR" sz="1400" dirty="0" err="1" smtClean="0">
-                <a:latin typeface="Courier New" panose="02070309020205020404" pitchFamily="49" charset="0"/>
-                <a:cs typeface="Courier New" panose="02070309020205020404" pitchFamily="49" charset="0"/>
-              </a:rPr>
-              <a:t>yourssid</a:t>
-            </a:r>
-            <a:r>
-              <a:rPr lang="fr-FR" sz="1400" dirty="0" smtClean="0">
-                <a:latin typeface="Courier New" panose="02070309020205020404" pitchFamily="49" charset="0"/>
-                <a:cs typeface="Courier New" panose="02070309020205020404" pitchFamily="49" charset="0"/>
-              </a:rPr>
-              <a:t>"</a:t>
-            </a:r>
-            <a:endParaRPr lang="fr-FR" sz="1400" dirty="0">
-              <a:latin typeface="Courier New" panose="02070309020205020404" pitchFamily="49" charset="0"/>
-              <a:cs typeface="Courier New" panose="02070309020205020404" pitchFamily="49" charset="0"/>
-            </a:endParaRPr>
-          </a:p>
-          <a:p>
-            <a:pPr marL="457200" lvl="1" indent="0">
-              <a:buNone/>
-            </a:pPr>
-            <a:r>
-              <a:rPr lang="fr-FR" sz="1400" dirty="0">
-                <a:latin typeface="Courier New" panose="02070309020205020404" pitchFamily="49" charset="0"/>
-                <a:cs typeface="Courier New" panose="02070309020205020404" pitchFamily="49" charset="0"/>
-              </a:rPr>
-              <a:t>	</a:t>
-            </a:r>
-            <a:r>
-              <a:rPr lang="fr-FR" sz="1400" dirty="0" err="1">
-                <a:latin typeface="Courier New" panose="02070309020205020404" pitchFamily="49" charset="0"/>
-                <a:cs typeface="Courier New" panose="02070309020205020404" pitchFamily="49" charset="0"/>
-              </a:rPr>
-              <a:t>psk</a:t>
-            </a:r>
-            <a:r>
-              <a:rPr lang="fr-FR" sz="1400" dirty="0" smtClean="0">
-                <a:latin typeface="Courier New" panose="02070309020205020404" pitchFamily="49" charset="0"/>
-                <a:cs typeface="Courier New" panose="02070309020205020404" pitchFamily="49" charset="0"/>
-              </a:rPr>
-              <a:t>="</a:t>
-            </a:r>
-            <a:r>
-              <a:rPr lang="fr-FR" sz="1400" dirty="0" err="1" smtClean="0">
-                <a:latin typeface="Courier New" panose="02070309020205020404" pitchFamily="49" charset="0"/>
-                <a:cs typeface="Courier New" panose="02070309020205020404" pitchFamily="49" charset="0"/>
-              </a:rPr>
-              <a:t>yourpassword</a:t>
-            </a:r>
-            <a:r>
-              <a:rPr lang="fr-FR" sz="1400" dirty="0" smtClean="0">
-                <a:latin typeface="Courier New" panose="02070309020205020404" pitchFamily="49" charset="0"/>
-                <a:cs typeface="Courier New" panose="02070309020205020404" pitchFamily="49" charset="0"/>
-              </a:rPr>
-              <a:t>"</a:t>
-            </a:r>
-            <a:endParaRPr lang="fr-FR" sz="1400" dirty="0">
-              <a:latin typeface="Courier New" panose="02070309020205020404" pitchFamily="49" charset="0"/>
-              <a:cs typeface="Courier New" panose="02070309020205020404" pitchFamily="49" charset="0"/>
-            </a:endParaRPr>
-          </a:p>
-          <a:p>
-            <a:pPr marL="457200" lvl="1" indent="0">
-              <a:buNone/>
-            </a:pPr>
-            <a:r>
-              <a:rPr lang="fr-FR" sz="1400" dirty="0">
-                <a:latin typeface="Courier New" panose="02070309020205020404" pitchFamily="49" charset="0"/>
-                <a:cs typeface="Courier New" panose="02070309020205020404" pitchFamily="49" charset="0"/>
-              </a:rPr>
-              <a:t>	</a:t>
-            </a:r>
-            <a:r>
-              <a:rPr lang="fr-FR" sz="1400" dirty="0" err="1">
-                <a:latin typeface="Courier New" panose="02070309020205020404" pitchFamily="49" charset="0"/>
-                <a:cs typeface="Courier New" panose="02070309020205020404" pitchFamily="49" charset="0"/>
-              </a:rPr>
-              <a:t>key_mgmt</a:t>
-            </a:r>
-            <a:r>
-              <a:rPr lang="fr-FR" sz="1400" dirty="0">
-                <a:latin typeface="Courier New" panose="02070309020205020404" pitchFamily="49" charset="0"/>
-                <a:cs typeface="Courier New" panose="02070309020205020404" pitchFamily="49" charset="0"/>
-              </a:rPr>
-              <a:t>=WPA-PSK</a:t>
-            </a:r>
-          </a:p>
-          <a:p>
-            <a:pPr marL="457200" lvl="1" indent="0">
-              <a:buNone/>
-            </a:pPr>
-            <a:r>
-              <a:rPr lang="fr-FR" sz="1400" dirty="0">
-                <a:latin typeface="Courier New" panose="02070309020205020404" pitchFamily="49" charset="0"/>
-                <a:cs typeface="Courier New" panose="02070309020205020404" pitchFamily="49" charset="0"/>
-              </a:rPr>
-              <a:t>}</a:t>
-            </a:r>
-          </a:p>
-        </p:txBody>
-      </p:sp>
-    </p:spTree>
-    <p:extLst>
-      <p:ext uri="{BB962C8B-B14F-4D97-AF65-F5344CB8AC3E}">
-        <p14:creationId xmlns:p14="http://schemas.microsoft.com/office/powerpoint/2010/main" val="2974156415"/>
-      </p:ext>
-    </p:extLst>
-  </p:cSld>
-  <p:clrMapOvr>
-    <a:masterClrMapping/>
-  </p:clrMapOvr>
-  <p:timing>
-    <p:tnLst>
-      <p:par>
-        <p:cTn id="1" dur="indefinite" restart="never" nodeType="tmRoot"/>
-      </p:par>
-    </p:tnLst>
-  </p:timing>
-</p:sld>
-</file>
-
-<file path=ppt/slides/slide8.xml><?xml version="1.0" encoding="utf-8"?>
-<p:sld xmlns:a="http://schemas.openxmlformats.org/drawingml/2006/main" xmlns:r="http://schemas.openxmlformats.org/officeDocument/2006/relationships" xmlns:p="http://schemas.openxmlformats.org/presentationml/2006/main">
-  <p:cSld>
-    <p:spTree>
-      <p:nvGrpSpPr>
-        <p:cNvPr id="1" name=""/>
-        <p:cNvGrpSpPr/>
-        <p:nvPr/>
-      </p:nvGrpSpPr>
-      <p:grpSpPr>
-        <a:xfrm>
-          <a:off x="0" y="0"/>
-          <a:ext cx="0" cy="0"/>
-          <a:chOff x="0" y="0"/>
-          <a:chExt cx="0" cy="0"/>
-        </a:xfrm>
-      </p:grpSpPr>
-      <p:sp>
-        <p:nvSpPr>
-          <p:cNvPr id="2" name="Titre 1"/>
-          <p:cNvSpPr>
-            <a:spLocks noGrp="1"/>
-          </p:cNvSpPr>
-          <p:nvPr>
-            <p:ph type="title"/>
-          </p:nvPr>
-        </p:nvSpPr>
-        <p:spPr/>
-        <p:txBody>
-          <a:bodyPr/>
-          <a:lstStyle/>
-          <a:p>
-            <a:r>
-              <a:rPr lang="fr-FR" dirty="0" smtClean="0"/>
-              <a:t>Le terminal</a:t>
-            </a:r>
-            <a:endParaRPr lang="fr-FR" dirty="0"/>
-          </a:p>
-        </p:txBody>
-      </p:sp>
-      <p:sp>
-        <p:nvSpPr>
-          <p:cNvPr id="3" name="Espace réservé du contenu 2"/>
-          <p:cNvSpPr>
-            <a:spLocks noGrp="1"/>
-          </p:cNvSpPr>
-          <p:nvPr>
-            <p:ph idx="1"/>
-          </p:nvPr>
-        </p:nvSpPr>
-        <p:spPr/>
-        <p:txBody>
-          <a:bodyPr/>
-          <a:lstStyle/>
-          <a:p>
-            <a:r>
-              <a:rPr lang="fr-FR" dirty="0" smtClean="0"/>
+              <a:rPr lang="fr-FR" dirty="0"/>
               <a:t>Permet d'accéder au </a:t>
             </a:r>
             <a:r>
-              <a:rPr lang="fr-FR" dirty="0" err="1" smtClean="0"/>
+              <a:rPr lang="fr-FR" dirty="0" err="1"/>
               <a:t>bash</a:t>
             </a:r>
             <a:r>
-              <a:rPr lang="fr-FR" dirty="0" smtClean="0"/>
+              <a:rPr lang="fr-FR" dirty="0"/>
               <a:t> linux</a:t>
             </a:r>
           </a:p>
@@ -5760,13 +5948,158 @@
   <p:clrMapOvr>
     <a:masterClrMapping/>
   </p:clrMapOvr>
-  <p:timing>
-    <p:tnLst>
-      <p:par>
-        <p:cTn id="1" dur="indefinite" restart="never" nodeType="tmRoot"/>
-      </p:par>
-    </p:tnLst>
-  </p:timing>
+</p:sld>
+</file>
+
+<file path=ppt/slides/slide8.xml><?xml version="1.0" encoding="utf-8"?>
+<p:sld xmlns:a="http://schemas.openxmlformats.org/drawingml/2006/main" xmlns:r="http://schemas.openxmlformats.org/officeDocument/2006/relationships" xmlns:p="http://schemas.openxmlformats.org/presentationml/2006/main">
+  <p:cSld>
+    <p:spTree>
+      <p:nvGrpSpPr>
+        <p:cNvPr id="1" name=""/>
+        <p:cNvGrpSpPr/>
+        <p:nvPr/>
+      </p:nvGrpSpPr>
+      <p:grpSpPr>
+        <a:xfrm>
+          <a:off x="0" y="0"/>
+          <a:ext cx="0" cy="0"/>
+          <a:chOff x="0" y="0"/>
+          <a:chExt cx="0" cy="0"/>
+        </a:xfrm>
+      </p:grpSpPr>
+      <p:sp>
+        <p:nvSpPr>
+          <p:cNvPr id="2" name="Titre 1">
+            <a:extLst>
+              <a:ext uri="{FF2B5EF4-FFF2-40B4-BE49-F238E27FC236}">
+                <a16:creationId xmlns:a16="http://schemas.microsoft.com/office/drawing/2014/main" id="{5397D65B-0E62-4918-90AB-5AC15518B241}"/>
+              </a:ext>
+            </a:extLst>
+          </p:cNvPr>
+          <p:cNvSpPr>
+            <a:spLocks noGrp="1"/>
+          </p:cNvSpPr>
+          <p:nvPr>
+            <p:ph type="title"/>
+          </p:nvPr>
+        </p:nvSpPr>
+        <p:spPr/>
+        <p:txBody>
+          <a:bodyPr/>
+          <a:lstStyle/>
+          <a:p>
+            <a:r>
+              <a:rPr lang="fr-FR" dirty="0"/>
+              <a:t>Configuration par défaut</a:t>
+            </a:r>
+          </a:p>
+        </p:txBody>
+      </p:sp>
+      <p:sp>
+        <p:nvSpPr>
+          <p:cNvPr id="3" name="Espace réservé du contenu 2">
+            <a:extLst>
+              <a:ext uri="{FF2B5EF4-FFF2-40B4-BE49-F238E27FC236}">
+                <a16:creationId xmlns:a16="http://schemas.microsoft.com/office/drawing/2014/main" id="{B402A260-A93E-47A4-B94C-4168C4D7B041}"/>
+              </a:ext>
+            </a:extLst>
+          </p:cNvPr>
+          <p:cNvSpPr>
+            <a:spLocks noGrp="1"/>
+          </p:cNvSpPr>
+          <p:nvPr>
+            <p:ph idx="1"/>
+          </p:nvPr>
+        </p:nvSpPr>
+        <p:spPr/>
+        <p:txBody>
+          <a:bodyPr/>
+          <a:lstStyle/>
+          <a:p>
+            <a:r>
+              <a:rPr lang="fr-FR" dirty="0"/>
+              <a:t>Voici les paramètres par défaut su Raspberry</a:t>
+            </a:r>
+          </a:p>
+          <a:p>
+            <a:pPr lvl="1"/>
+            <a:r>
+              <a:rPr lang="fr-FR" dirty="0"/>
+              <a:t>login : pi</a:t>
+            </a:r>
+          </a:p>
+          <a:p>
+            <a:pPr lvl="1"/>
+            <a:r>
+              <a:rPr lang="fr-FR" dirty="0" err="1"/>
+              <a:t>password</a:t>
+            </a:r>
+            <a:r>
+              <a:rPr lang="fr-FR" dirty="0"/>
+              <a:t> : </a:t>
+            </a:r>
+            <a:r>
+              <a:rPr lang="fr-FR" dirty="0" err="1"/>
+              <a:t>raspberry</a:t>
+            </a:r>
+            <a:endParaRPr lang="fr-FR" dirty="0"/>
+          </a:p>
+          <a:p>
+            <a:pPr lvl="1"/>
+            <a:r>
+              <a:rPr lang="fr-FR" dirty="0" err="1"/>
+              <a:t>autologin</a:t>
+            </a:r>
+            <a:r>
+              <a:rPr lang="fr-FR" dirty="0"/>
+              <a:t> : </a:t>
+            </a:r>
+            <a:r>
+              <a:rPr lang="fr-FR" dirty="0" err="1"/>
+              <a:t>true</a:t>
+            </a:r>
+            <a:endParaRPr lang="fr-FR" dirty="0"/>
+          </a:p>
+          <a:p>
+            <a:pPr lvl="1"/>
+            <a:r>
+              <a:rPr lang="fr-FR" dirty="0" err="1"/>
+              <a:t>ssh</a:t>
+            </a:r>
+            <a:r>
+              <a:rPr lang="fr-FR" dirty="0"/>
+              <a:t> : false</a:t>
+            </a:r>
+          </a:p>
+          <a:p>
+            <a:pPr lvl="1"/>
+            <a:r>
+              <a:rPr lang="fr-FR" dirty="0" err="1"/>
+              <a:t>ip</a:t>
+            </a:r>
+            <a:r>
+              <a:rPr lang="fr-FR" dirty="0"/>
+              <a:t> : dynamique par </a:t>
+            </a:r>
+            <a:r>
+              <a:rPr lang="fr-FR" dirty="0" err="1"/>
+              <a:t>ethernet</a:t>
+            </a:r>
+            <a:endParaRPr lang="fr-FR" dirty="0"/>
+          </a:p>
+        </p:txBody>
+      </p:sp>
+    </p:spTree>
+    <p:extLst>
+      <p:ext uri="{BB962C8B-B14F-4D97-AF65-F5344CB8AC3E}">
+        <p14:creationId xmlns:p14="http://schemas.microsoft.com/office/powerpoint/2010/main" val="4175771814"/>
+      </p:ext>
+    </p:extLst>
+  </p:cSld>
+  <p:clrMapOvr>
+    <a:masterClrMapping/>
+  </p:clrMapOvr>
 </p:sld>
 </file>
 
@@ -5803,14 +6136,13 @@
           <a:lstStyle/>
           <a:p>
             <a:r>
-              <a:rPr lang="fr-FR" dirty="0" err="1" smtClean="0"/>
+              <a:rPr lang="fr-FR" dirty="0" err="1"/>
               <a:t>raspi</a:t>
             </a:r>
             <a:r>
-              <a:rPr lang="fr-FR" dirty="0" smtClean="0"/>
+              <a:rPr lang="fr-FR" dirty="0"/>
               <a:t>-config</a:t>
             </a:r>
-            <a:endParaRPr lang="fr-FR" dirty="0"/>
           </a:p>
         </p:txBody>
       </p:sp>
@@ -5830,34 +6162,34 @@
           <a:lstStyle/>
           <a:p>
             <a:r>
-              <a:rPr lang="fr-FR" dirty="0" err="1" smtClean="0"/>
+              <a:rPr lang="fr-FR" dirty="0" err="1"/>
               <a:t>raspi</a:t>
             </a:r>
             <a:r>
-              <a:rPr lang="fr-FR" dirty="0" smtClean="0"/>
+              <a:rPr lang="fr-FR" dirty="0"/>
               <a:t>-config permet de modifier la configuration du </a:t>
             </a:r>
             <a:r>
-              <a:rPr lang="fr-FR" dirty="0" err="1" smtClean="0"/>
+              <a:rPr lang="fr-FR" dirty="0" err="1"/>
               <a:t>Raspberry</a:t>
             </a:r>
-            <a:endParaRPr lang="fr-FR" dirty="0" smtClean="0"/>
-          </a:p>
-          <a:p>
-            <a:r>
-              <a:rPr lang="fr-FR" dirty="0" err="1" smtClean="0"/>
+            <a:endParaRPr lang="fr-FR" dirty="0"/>
+          </a:p>
+          <a:p>
+            <a:r>
+              <a:rPr lang="fr-FR" dirty="0" err="1"/>
               <a:t>sudo</a:t>
             </a:r>
             <a:r>
-              <a:rPr lang="fr-FR" dirty="0" smtClean="0"/>
+              <a:rPr lang="fr-FR" dirty="0"/>
               <a:t> </a:t>
             </a:r>
             <a:r>
-              <a:rPr lang="fr-FR" dirty="0" err="1" smtClean="0"/>
+              <a:rPr lang="fr-FR" dirty="0" err="1"/>
               <a:t>raspi</a:t>
             </a:r>
             <a:r>
-              <a:rPr lang="fr-FR" dirty="0" smtClean="0"/>
+              <a:rPr lang="fr-FR" dirty="0"/>
               <a:t>-config</a:t>
             </a:r>
           </a:p>
@@ -5917,13 +6249,6 @@
   <p:clrMapOvr>
     <a:masterClrMapping/>
   </p:clrMapOvr>
-  <p:timing>
-    <p:tnLst>
-      <p:par>
-        <p:cTn id="1" dur="indefinite" restart="never" nodeType="tmRoot"/>
-      </p:par>
-    </p:tnLst>
-  </p:timing>
 </p:sld>
 </file>
 

--- a/ppt/IoT06-Raspbian.pptx
+++ b/ppt/IoT06-Raspbian.pptx
@@ -5,10 +5,10 @@
     <p:sldMasterId id="2147483653" r:id="rId1"/>
   </p:sldMasterIdLst>
   <p:notesMasterIdLst>
-    <p:notesMasterId r:id="rId20"/>
+    <p:notesMasterId r:id="rId21"/>
   </p:notesMasterIdLst>
   <p:handoutMasterIdLst>
-    <p:handoutMasterId r:id="rId21"/>
+    <p:handoutMasterId r:id="rId22"/>
   </p:handoutMasterIdLst>
   <p:sldIdLst>
     <p:sldId id="264" r:id="rId2"/>
@@ -29,6 +29,7 @@
     <p:sldId id="276" r:id="rId17"/>
     <p:sldId id="277" r:id="rId18"/>
     <p:sldId id="265" r:id="rId19"/>
+    <p:sldId id="282" r:id="rId20"/>
   </p:sldIdLst>
   <p:sldSz cx="9144000" cy="6858000" type="screen4x3"/>
   <p:notesSz cx="6648450" cy="9782175"/>
@@ -4738,7 +4739,7 @@
           <a:p>
             <a:r>
               <a:rPr lang="fr-FR" dirty="0"/>
-              <a:t>Les 2 premières commande a effectuer sont</a:t>
+              <a:t>Les 2 premières commande à effectuer sont</a:t>
             </a:r>
           </a:p>
           <a:p>
@@ -5162,31 +5163,39 @@
               <a:rPr lang="fr-FR" dirty="0" err="1"/>
               <a:t>smb.conf</a:t>
             </a:r>
+            <a:r>
+              <a:rPr lang="fr-FR" dirty="0"/>
+              <a:t> depuis </a:t>
+            </a:r>
+            <a:r>
+              <a:rPr lang="fr-FR" dirty="0" err="1"/>
+              <a:t>github</a:t>
+            </a:r>
             <a:endParaRPr lang="fr-FR" dirty="0"/>
           </a:p>
           <a:p>
             <a:pPr lvl="1"/>
             <a:r>
-              <a:rPr lang="fr-FR"/>
-              <a:t>chmod pi </a:t>
-            </a:r>
-            <a:r>
-              <a:rPr lang="fr-FR" dirty="0"/>
-              <a:t>777</a:t>
-            </a:r>
-          </a:p>
-          <a:p>
-            <a:r>
-              <a:rPr lang="fr-FR" dirty="0"/>
-              <a:t>Après reboot le </a:t>
-            </a:r>
-            <a:r>
               <a:rPr lang="fr-FR" dirty="0" err="1"/>
-              <a:t>Raspberry</a:t>
-            </a:r>
-            <a:r>
-              <a:rPr lang="fr-FR" dirty="0"/>
-              <a:t> est accessible par partage de fichier \\raspberrypi</a:t>
+              <a:t>sudo</a:t>
+            </a:r>
+            <a:r>
+              <a:rPr lang="fr-FR" dirty="0"/>
+              <a:t> chmod -R </a:t>
+            </a:r>
+            <a:r>
+              <a:rPr lang="fr-FR" dirty="0" err="1"/>
+              <a:t>a+w</a:t>
+            </a:r>
+            <a:r>
+              <a:rPr lang="fr-FR" dirty="0"/>
+              <a:t> /home/pi</a:t>
+            </a:r>
+          </a:p>
+          <a:p>
+            <a:r>
+              <a:rPr lang="fr-FR" dirty="0"/>
+              <a:t>Reboot</a:t>
             </a:r>
           </a:p>
           <a:p>
@@ -5202,6 +5211,258 @@
     <p:extLst>
       <p:ext uri="{BB962C8B-B14F-4D97-AF65-F5344CB8AC3E}">
         <p14:creationId xmlns:p14="http://schemas.microsoft.com/office/powerpoint/2010/main" val="4056548151"/>
+      </p:ext>
+    </p:extLst>
+  </p:cSld>
+  <p:clrMapOvr>
+    <a:masterClrMapping/>
+  </p:clrMapOvr>
+</p:sld>
+</file>
+
+<file path=ppt/slides/slide19.xml><?xml version="1.0" encoding="utf-8"?>
+<p:sld xmlns:a="http://schemas.openxmlformats.org/drawingml/2006/main" xmlns:r="http://schemas.openxmlformats.org/officeDocument/2006/relationships" xmlns:p="http://schemas.openxmlformats.org/presentationml/2006/main">
+  <p:cSld>
+    <p:spTree>
+      <p:nvGrpSpPr>
+        <p:cNvPr id="1" name=""/>
+        <p:cNvGrpSpPr/>
+        <p:nvPr/>
+      </p:nvGrpSpPr>
+      <p:grpSpPr>
+        <a:xfrm>
+          <a:off x="0" y="0"/>
+          <a:ext cx="0" cy="0"/>
+          <a:chOff x="0" y="0"/>
+          <a:chExt cx="0" cy="0"/>
+        </a:xfrm>
+      </p:grpSpPr>
+      <p:sp>
+        <p:nvSpPr>
+          <p:cNvPr id="2" name="Titre 1">
+            <a:extLst>
+              <a:ext uri="{FF2B5EF4-FFF2-40B4-BE49-F238E27FC236}">
+                <a16:creationId xmlns:a16="http://schemas.microsoft.com/office/drawing/2014/main" id="{678FC2A6-714F-4532-9255-C1C741450730}"/>
+              </a:ext>
+            </a:extLst>
+          </p:cNvPr>
+          <p:cNvSpPr>
+            <a:spLocks noGrp="1"/>
+          </p:cNvSpPr>
+          <p:nvPr>
+            <p:ph type="title"/>
+          </p:nvPr>
+        </p:nvSpPr>
+        <p:spPr/>
+        <p:txBody>
+          <a:bodyPr/>
+          <a:lstStyle/>
+          <a:p>
+            <a:r>
+              <a:rPr lang="fr-FR" dirty="0"/>
+              <a:t>Clonage</a:t>
+            </a:r>
+          </a:p>
+        </p:txBody>
+      </p:sp>
+      <p:sp>
+        <p:nvSpPr>
+          <p:cNvPr id="3" name="Espace réservé du contenu 2">
+            <a:extLst>
+              <a:ext uri="{FF2B5EF4-FFF2-40B4-BE49-F238E27FC236}">
+                <a16:creationId xmlns:a16="http://schemas.microsoft.com/office/drawing/2014/main" id="{DFE9A680-238A-4CA4-B78B-A35ED948EBB9}"/>
+              </a:ext>
+            </a:extLst>
+          </p:cNvPr>
+          <p:cNvSpPr>
+            <a:spLocks noGrp="1"/>
+          </p:cNvSpPr>
+          <p:nvPr>
+            <p:ph idx="1"/>
+          </p:nvPr>
+        </p:nvSpPr>
+        <p:spPr/>
+        <p:txBody>
+          <a:bodyPr/>
+          <a:lstStyle/>
+          <a:p>
+            <a:r>
+              <a:rPr lang="fr-FR" dirty="0"/>
+              <a:t>Clonage possible de la </a:t>
+            </a:r>
+            <a:r>
+              <a:rPr lang="fr-FR" dirty="0" err="1"/>
+              <a:t>la</a:t>
+            </a:r>
+            <a:r>
+              <a:rPr lang="fr-FR" dirty="0"/>
+              <a:t> </a:t>
+            </a:r>
+            <a:r>
+              <a:rPr lang="fr-FR" dirty="0" err="1"/>
+              <a:t>SDCard</a:t>
+            </a:r>
+            <a:r>
+              <a:rPr lang="fr-FR" dirty="0"/>
+              <a:t> par </a:t>
+            </a:r>
+            <a:r>
+              <a:rPr lang="fr-FR" dirty="0" err="1"/>
+              <a:t>PiClone</a:t>
+            </a:r>
+            <a:endParaRPr lang="fr-FR" dirty="0"/>
+          </a:p>
+          <a:p>
+            <a:pPr lvl="1"/>
+            <a:r>
+              <a:rPr lang="fr-FR" dirty="0"/>
+              <a:t>Accessoires &gt; SD </a:t>
+            </a:r>
+            <a:r>
+              <a:rPr lang="fr-FR" dirty="0" err="1"/>
+              <a:t>Card</a:t>
+            </a:r>
+            <a:r>
+              <a:rPr lang="fr-FR"/>
+              <a:t> Copier</a:t>
+            </a:r>
+            <a:endParaRPr lang="fr-FR" dirty="0"/>
+          </a:p>
+          <a:p>
+            <a:r>
+              <a:rPr lang="fr-FR" dirty="0"/>
+              <a:t>Win32DiskImager peut le faire également</a:t>
+            </a:r>
+          </a:p>
+          <a:p>
+            <a:endParaRPr lang="fr-FR" dirty="0"/>
+          </a:p>
+        </p:txBody>
+      </p:sp>
+      <p:sp>
+        <p:nvSpPr>
+          <p:cNvPr id="4" name="AutoShape 2">
+            <a:extLst>
+              <a:ext uri="{FF2B5EF4-FFF2-40B4-BE49-F238E27FC236}">
+                <a16:creationId xmlns:a16="http://schemas.microsoft.com/office/drawing/2014/main" id="{5F2B6067-271E-4C29-AF17-FA69CE4556E0}"/>
+              </a:ext>
+            </a:extLst>
+          </p:cNvPr>
+          <p:cNvSpPr>
+            <a:spLocks noChangeAspect="1" noChangeArrowheads="1"/>
+          </p:cNvSpPr>
+          <p:nvPr/>
+        </p:nvSpPr>
+        <p:spPr bwMode="auto">
+          <a:xfrm>
+            <a:off x="4419600" y="3276600"/>
+            <a:ext cx="304800" cy="304800"/>
+          </a:xfrm>
+          <a:prstGeom prst="rect">
+            <a:avLst/>
+          </a:prstGeom>
+          <a:noFill/>
+          <a:extLst>
+            <a:ext uri="{909E8E84-426E-40DD-AFC4-6F175D3DCCD1}">
+              <a14:hiddenFill xmlns:a14="http://schemas.microsoft.com/office/drawing/2010/main">
+                <a:solidFill>
+                  <a:srgbClr val="FFFFFF"/>
+                </a:solidFill>
+              </a14:hiddenFill>
+            </a:ext>
+          </a:extLst>
+        </p:spPr>
+        <p:txBody>
+          <a:bodyPr vert="horz" wrap="square" lIns="91440" tIns="45720" rIns="91440" bIns="45720" numCol="1" anchor="t" anchorCtr="0" compatLnSpc="1">
+            <a:prstTxWarp prst="textNoShape">
+              <a:avLst/>
+            </a:prstTxWarp>
+          </a:bodyPr>
+          <a:lstStyle/>
+          <a:p>
+            <a:endParaRPr lang="fr-FR"/>
+          </a:p>
+        </p:txBody>
+      </p:sp>
+      <p:sp>
+        <p:nvSpPr>
+          <p:cNvPr id="6" name="AutoShape 4">
+            <a:extLst>
+              <a:ext uri="{FF2B5EF4-FFF2-40B4-BE49-F238E27FC236}">
+                <a16:creationId xmlns:a16="http://schemas.microsoft.com/office/drawing/2014/main" id="{F22ED012-CFF0-42DF-97CA-F40AFA04EB05}"/>
+              </a:ext>
+            </a:extLst>
+          </p:cNvPr>
+          <p:cNvSpPr>
+            <a:spLocks noChangeAspect="1" noChangeArrowheads="1"/>
+          </p:cNvSpPr>
+          <p:nvPr/>
+        </p:nvSpPr>
+        <p:spPr bwMode="auto">
+          <a:xfrm>
+            <a:off x="4572000" y="3429000"/>
+            <a:ext cx="304800" cy="304800"/>
+          </a:xfrm>
+          <a:prstGeom prst="rect">
+            <a:avLst/>
+          </a:prstGeom>
+          <a:noFill/>
+          <a:extLst>
+            <a:ext uri="{909E8E84-426E-40DD-AFC4-6F175D3DCCD1}">
+              <a14:hiddenFill xmlns:a14="http://schemas.microsoft.com/office/drawing/2010/main">
+                <a:solidFill>
+                  <a:srgbClr val="FFFFFF"/>
+                </a:solidFill>
+              </a14:hiddenFill>
+            </a:ext>
+          </a:extLst>
+        </p:spPr>
+        <p:txBody>
+          <a:bodyPr vert="horz" wrap="square" lIns="91440" tIns="45720" rIns="91440" bIns="45720" numCol="1" anchor="t" anchorCtr="0" compatLnSpc="1">
+            <a:prstTxWarp prst="textNoShape">
+              <a:avLst/>
+            </a:prstTxWarp>
+          </a:bodyPr>
+          <a:lstStyle/>
+          <a:p>
+            <a:endParaRPr lang="fr-FR"/>
+          </a:p>
+        </p:txBody>
+      </p:sp>
+      <p:pic>
+        <p:nvPicPr>
+          <p:cNvPr id="8" name="Image 7">
+            <a:extLst>
+              <a:ext uri="{FF2B5EF4-FFF2-40B4-BE49-F238E27FC236}">
+                <a16:creationId xmlns:a16="http://schemas.microsoft.com/office/drawing/2014/main" id="{A8137341-D548-4234-A39B-263AAB3E7748}"/>
+              </a:ext>
+            </a:extLst>
+          </p:cNvPr>
+          <p:cNvPicPr>
+            <a:picLocks noChangeAspect="1"/>
+          </p:cNvPicPr>
+          <p:nvPr/>
+        </p:nvPicPr>
+        <p:blipFill>
+          <a:blip r:embed="rId2"/>
+          <a:stretch>
+            <a:fillRect/>
+          </a:stretch>
+        </p:blipFill>
+        <p:spPr>
+          <a:xfrm>
+            <a:off x="2162175" y="3305694"/>
+            <a:ext cx="4514850" cy="2266950"/>
+          </a:xfrm>
+          <a:prstGeom prst="rect">
+            <a:avLst/>
+          </a:prstGeom>
+        </p:spPr>
+      </p:pic>
+    </p:spTree>
+    <p:extLst>
+      <p:ext uri="{BB962C8B-B14F-4D97-AF65-F5344CB8AC3E}">
+        <p14:creationId xmlns:p14="http://schemas.microsoft.com/office/powerpoint/2010/main" val="1543989195"/>
       </p:ext>
     </p:extLst>
   </p:cSld>
@@ -5653,12 +5914,8 @@
           <a:lstStyle/>
           <a:p>
             <a:r>
-              <a:rPr lang="fr-FR" dirty="0" err="1"/>
-              <a:t>Démarage</a:t>
-            </a:r>
-            <a:r>
-              <a:rPr lang="fr-FR" dirty="0"/>
-              <a:t> en mode graphique</a:t>
+              <a:rPr lang="fr-FR" dirty="0"/>
+              <a:t>Démarrage en mode graphique</a:t>
             </a:r>
           </a:p>
           <a:p>
@@ -6019,7 +6276,7 @@
           <a:p>
             <a:r>
               <a:rPr lang="fr-FR" dirty="0"/>
-              <a:t>Voici les paramètres par défaut su Raspberry</a:t>
+              <a:t>Voici les paramètres par défaut du Raspberry</a:t>
             </a:r>
           </a:p>
           <a:p>
@@ -6194,6 +6451,13 @@
             </a:r>
           </a:p>
           <a:p>
+            <a:pPr lvl="1"/>
+            <a:r>
+              <a:rPr lang="fr-FR" dirty="0"/>
+              <a:t>Activer SSH et VNC</a:t>
+            </a:r>
+          </a:p>
+          <a:p>
             <a:endParaRPr lang="fr-FR" dirty="0"/>
           </a:p>
         </p:txBody>
@@ -6221,7 +6485,7 @@
         </p:blipFill>
         <p:spPr bwMode="auto">
           <a:xfrm>
-            <a:off x="1346212" y="2955738"/>
+            <a:off x="1346212" y="3212976"/>
             <a:ext cx="6432649" cy="3763962"/>
           </a:xfrm>
           <a:prstGeom prst="rect">

--- a/ppt/IoT06-Raspbian.pptx
+++ b/ppt/IoT06-Raspbian.pptx
@@ -5,10 +5,10 @@
     <p:sldMasterId id="2147483653" r:id="rId1"/>
   </p:sldMasterIdLst>
   <p:notesMasterIdLst>
-    <p:notesMasterId r:id="rId21"/>
+    <p:notesMasterId r:id="rId22"/>
   </p:notesMasterIdLst>
   <p:handoutMasterIdLst>
-    <p:handoutMasterId r:id="rId22"/>
+    <p:handoutMasterId r:id="rId23"/>
   </p:handoutMasterIdLst>
   <p:sldIdLst>
     <p:sldId id="264" r:id="rId2"/>
@@ -30,6 +30,7 @@
     <p:sldId id="277" r:id="rId18"/>
     <p:sldId id="265" r:id="rId19"/>
     <p:sldId id="282" r:id="rId20"/>
+    <p:sldId id="283" r:id="rId21"/>
   </p:sldIdLst>
   <p:sldSz cx="9144000" cy="6858000" type="screen4x3"/>
   <p:notesSz cx="6648450" cy="9782175"/>
@@ -5589,6 +5590,106 @@
     <p:extLst>
       <p:ext uri="{BB962C8B-B14F-4D97-AF65-F5344CB8AC3E}">
         <p14:creationId xmlns:p14="http://schemas.microsoft.com/office/powerpoint/2010/main" val="1376838334"/>
+      </p:ext>
+    </p:extLst>
+  </p:cSld>
+  <p:clrMapOvr>
+    <a:masterClrMapping/>
+  </p:clrMapOvr>
+</p:sld>
+</file>
+
+<file path=ppt/slides/slide20.xml><?xml version="1.0" encoding="utf-8"?>
+<p:sld xmlns:a="http://schemas.openxmlformats.org/drawingml/2006/main" xmlns:r="http://schemas.openxmlformats.org/officeDocument/2006/relationships" xmlns:p="http://schemas.openxmlformats.org/presentationml/2006/main">
+  <p:cSld>
+    <p:spTree>
+      <p:nvGrpSpPr>
+        <p:cNvPr id="1" name=""/>
+        <p:cNvGrpSpPr/>
+        <p:nvPr/>
+      </p:nvGrpSpPr>
+      <p:grpSpPr>
+        <a:xfrm>
+          <a:off x="0" y="0"/>
+          <a:ext cx="0" cy="0"/>
+          <a:chOff x="0" y="0"/>
+          <a:chExt cx="0" cy="0"/>
+        </a:xfrm>
+      </p:grpSpPr>
+      <p:sp>
+        <p:nvSpPr>
+          <p:cNvPr id="2" name="Titre 1">
+            <a:extLst>
+              <a:ext uri="{FF2B5EF4-FFF2-40B4-BE49-F238E27FC236}">
+                <a16:creationId xmlns:a16="http://schemas.microsoft.com/office/drawing/2014/main" id="{4DA00D40-B362-41B9-A00D-5AADAA97F8F1}"/>
+              </a:ext>
+            </a:extLst>
+          </p:cNvPr>
+          <p:cNvSpPr>
+            <a:spLocks noGrp="1"/>
+          </p:cNvSpPr>
+          <p:nvPr>
+            <p:ph type="title"/>
+          </p:nvPr>
+        </p:nvSpPr>
+        <p:spPr/>
+        <p:txBody>
+          <a:bodyPr/>
+          <a:lstStyle/>
+          <a:p>
+            <a:r>
+              <a:rPr lang="fr-FR" dirty="0"/>
+              <a:t>FTP</a:t>
+            </a:r>
+          </a:p>
+        </p:txBody>
+      </p:sp>
+      <p:sp>
+        <p:nvSpPr>
+          <p:cNvPr id="3" name="Espace réservé du contenu 2">
+            <a:extLst>
+              <a:ext uri="{FF2B5EF4-FFF2-40B4-BE49-F238E27FC236}">
+                <a16:creationId xmlns:a16="http://schemas.microsoft.com/office/drawing/2014/main" id="{BC851B46-9B67-49C9-91B1-0E9283D4267A}"/>
+              </a:ext>
+            </a:extLst>
+          </p:cNvPr>
+          <p:cNvSpPr>
+            <a:spLocks noGrp="1"/>
+          </p:cNvSpPr>
+          <p:nvPr>
+            <p:ph idx="1"/>
+          </p:nvPr>
+        </p:nvSpPr>
+        <p:spPr/>
+        <p:txBody>
+          <a:bodyPr/>
+          <a:lstStyle/>
+          <a:p>
+            <a:r>
+              <a:rPr lang="fr-FR" dirty="0"/>
+              <a:t>SFTP</a:t>
+            </a:r>
+          </a:p>
+          <a:p>
+            <a:pPr lvl="1"/>
+            <a:r>
+              <a:rPr lang="fr-FR" dirty="0"/>
+              <a:t>GET</a:t>
+            </a:r>
+          </a:p>
+          <a:p>
+            <a:pPr lvl="1"/>
+            <a:r>
+              <a:rPr lang="fr-FR"/>
+              <a:t>PUT</a:t>
+            </a:r>
+          </a:p>
+        </p:txBody>
+      </p:sp>
+    </p:spTree>
+    <p:extLst>
+      <p:ext uri="{BB962C8B-B14F-4D97-AF65-F5344CB8AC3E}">
+        <p14:creationId xmlns:p14="http://schemas.microsoft.com/office/powerpoint/2010/main" val="3404132712"/>
       </p:ext>
     </p:extLst>
   </p:cSld>
